--- a/03.Hook into Apps for SharePoint/Hook into Apps for SharePoint.pptx
+++ b/03.Hook into Apps for SharePoint/Hook into Apps for SharePoint.pptx
@@ -6,10 +6,10 @@
     <p:sldMasterId id="2147484046" r:id="rId5"/>
   </p:sldMasterIdLst>
   <p:notesMasterIdLst>
-    <p:notesMasterId r:id="rId50"/>
+    <p:notesMasterId r:id="rId48"/>
   </p:notesMasterIdLst>
   <p:handoutMasterIdLst>
-    <p:handoutMasterId r:id="rId51"/>
+    <p:handoutMasterId r:id="rId49"/>
   </p:handoutMasterIdLst>
   <p:sldIdLst>
     <p:sldId id="778" r:id="rId6"/>
@@ -46,16 +46,14 @@
     <p:sldId id="868" r:id="rId37"/>
     <p:sldId id="869" r:id="rId38"/>
     <p:sldId id="870" r:id="rId39"/>
-    <p:sldId id="858" r:id="rId40"/>
-    <p:sldId id="859" r:id="rId41"/>
-    <p:sldId id="874" r:id="rId42"/>
-    <p:sldId id="875" r:id="rId43"/>
-    <p:sldId id="876" r:id="rId44"/>
-    <p:sldId id="877" r:id="rId45"/>
-    <p:sldId id="878" r:id="rId46"/>
-    <p:sldId id="860" r:id="rId47"/>
-    <p:sldId id="892" r:id="rId48"/>
-    <p:sldId id="654" r:id="rId49"/>
+    <p:sldId id="859" r:id="rId40"/>
+    <p:sldId id="874" r:id="rId41"/>
+    <p:sldId id="875" r:id="rId42"/>
+    <p:sldId id="876" r:id="rId43"/>
+    <p:sldId id="877" r:id="rId44"/>
+    <p:sldId id="878" r:id="rId45"/>
+    <p:sldId id="892" r:id="rId46"/>
+    <p:sldId id="654" r:id="rId47"/>
   </p:sldIdLst>
   <p:sldSz cx="12188825" cy="6858000"/>
   <p:notesSz cx="6858000" cy="9144000"/>
@@ -156,7 +154,7 @@
   </p:defaultTextStyle>
   <p:extLst>
     <p:ext uri="{EFAFB233-063F-42B5-8137-9DF3F51BA10A}">
-      <p15:sldGuideLst xmlns:p15="http://schemas.microsoft.com/office/powerpoint/2012/main" xmlns="">
+      <p15:sldGuideLst xmlns:p15="http://schemas.microsoft.com/office/powerpoint/2012/main">
         <p15:guide id="1" orient="horz" pos="142">
           <p15:clr>
             <a:srgbClr val="A4A3A4"/>
@@ -255,7 +253,7 @@
       </p15:sldGuideLst>
     </p:ext>
     <p:ext uri="{2D200454-40CA-4A62-9FC3-DE9A4176ACB9}">
-      <p15:notesGuideLst xmlns:p15="http://schemas.microsoft.com/office/powerpoint/2012/main" xmlns="">
+      <p15:notesGuideLst xmlns:p15="http://schemas.microsoft.com/office/powerpoint/2012/main">
         <p15:guide id="1" orient="horz" pos="2880">
           <p15:clr>
             <a:srgbClr val="A4A3A4"/>
@@ -358,7 +356,7 @@
           <a:p>
             <a:fld id="{DE219B1A-AE41-483B-A766-69B9363DDA6A}" type="datetimeFigureOut">
               <a:rPr lang="en-US" smtClean="0"/>
-              <a:t>9/10/14</a:t>
+              <a:t>10/22/2014</a:t>
             </a:fld>
             <a:endParaRPr lang="en-US"/>
           </a:p>
@@ -640,7 +638,7 @@
           <a:p>
             <a:fld id="{D51B1278-D92B-4AF3-A9C1-71DD298190CE}" type="datetimeFigureOut">
               <a:rPr lang="en-US" smtClean="0"/>
-              <a:t>9/10/14</a:t>
+              <a:t>10/22/2014</a:t>
             </a:fld>
             <a:endParaRPr lang="en-US"/>
           </a:p>
@@ -1225,7 +1223,7 @@
           <a:p>
             <a:fld id="{130F6A78-FCFE-4D45-B005-38A37DBDA5FF}" type="datetime1">
               <a:rPr lang="en-US" smtClean="0"/>
-              <a:t>9/10/14</a:t>
+              <a:t>10/22/2014</a:t>
             </a:fld>
             <a:endParaRPr lang="en-US"/>
           </a:p>
@@ -1431,7 +1429,7 @@
           <a:p>
             <a:fld id="{8A515E4B-48A0-498D-B44A-AAB8296969D7}" type="datetime1">
               <a:rPr lang="en-US" smtClean="0"/>
-              <a:t>9/10/14</a:t>
+              <a:t>10/22/2014</a:t>
             </a:fld>
             <a:endParaRPr lang="en-US"/>
           </a:p>
@@ -1637,7 +1635,7 @@
           <a:p>
             <a:fld id="{676707B7-EE71-47B8-B3DA-B599B395A08A}" type="datetime1">
               <a:rPr lang="en-US" smtClean="0"/>
-              <a:t>9/10/14</a:t>
+              <a:t>10/22/2014</a:t>
             </a:fld>
             <a:endParaRPr lang="en-US"/>
           </a:p>
@@ -1843,7 +1841,7 @@
           <a:p>
             <a:fld id="{676707B7-EE71-47B8-B3DA-B599B395A08A}" type="datetime1">
               <a:rPr lang="en-US" smtClean="0"/>
-              <a:t>9/10/14</a:t>
+              <a:t>10/22/2014</a:t>
             </a:fld>
             <a:endParaRPr lang="en-US"/>
           </a:p>
@@ -2085,7 +2083,7 @@
           <a:p>
             <a:fld id="{89BD0C63-4500-46F0-B671-0411AD55F261}" type="datetime1">
               <a:rPr lang="en-US" smtClean="0"/>
-              <a:t>9/10/14</a:t>
+              <a:t>10/22/2014</a:t>
             </a:fld>
             <a:endParaRPr lang="en-US"/>
           </a:p>
@@ -2295,7 +2293,7 @@
           <a:p>
             <a:fld id="{65036D97-0781-4CB4-8310-DBE67BB75DC2}" type="datetime1">
               <a:rPr lang="en-US" smtClean="0"/>
-              <a:t>9/10/14</a:t>
+              <a:t>10/22/2014</a:t>
             </a:fld>
             <a:endParaRPr lang="en-US"/>
           </a:p>
@@ -2538,7 +2536,7 @@
           <a:p>
             <a:fld id="{71F2E3B6-EB4C-45C4-A447-56FB08D12314}" type="datetime1">
               <a:rPr lang="en-US" smtClean="0"/>
-              <a:t>9/10/14</a:t>
+              <a:t>10/22/2014</a:t>
             </a:fld>
             <a:endParaRPr lang="en-US"/>
           </a:p>
@@ -2771,7 +2769,7 @@
           <a:p>
             <a:fld id="{978E40F9-06EC-432F-9301-2E07F244FD92}" type="datetime1">
               <a:rPr lang="en-US" smtClean="0"/>
-              <a:t>9/10/14</a:t>
+              <a:t>10/22/2014</a:t>
             </a:fld>
             <a:endParaRPr lang="en-US"/>
           </a:p>
@@ -2989,7 +2987,7 @@
           <a:p>
             <a:fld id="{20E03D06-7C91-4981-946C-5F87F4FCF9AD}" type="datetime1">
               <a:rPr lang="en-US" smtClean="0"/>
-              <a:t>9/10/14</a:t>
+              <a:t>10/22/2014</a:t>
             </a:fld>
             <a:endParaRPr lang="en-US"/>
           </a:p>
@@ -3195,7 +3193,7 @@
           <a:p>
             <a:fld id="{94EE102F-BBA5-47B5-B3E7-AF35CCCF9F4D}" type="datetime1">
               <a:rPr lang="en-US" smtClean="0"/>
-              <a:t>9/10/14</a:t>
+              <a:t>10/22/2014</a:t>
             </a:fld>
             <a:endParaRPr lang="en-US"/>
           </a:p>
@@ -3455,7 +3453,7 @@
           <a:p>
             <a:fld id="{B079C3B8-7366-4A44-A34B-3977080C19E7}" type="datetime1">
               <a:rPr lang="en-US" smtClean="0"/>
-              <a:t>9/10/14</a:t>
+              <a:t>10/22/2014</a:t>
             </a:fld>
             <a:endParaRPr lang="en-US" dirty="0"/>
           </a:p>
@@ -3565,6 +3563,10 @@
           <a:bodyPr/>
           <a:lstStyle/>
           <a:p>
+            <a:r>
+              <a:rPr lang="en-US" dirty="0" smtClean="0"/>
+              <a:t>Makes it possible to call the app web or host web from JavaScript in the remote web</a:t>
+            </a:r>
             <a:endParaRPr lang="en-US" dirty="0"/>
           </a:p>
         </p:txBody>
@@ -3584,9 +3586,9 @@
           <a:bodyPr/>
           <a:lstStyle/>
           <a:p>
-            <a:fld id="{6DFBD1BE-6A4F-4D98-BF0B-ADDB5A85FBE3}" type="datetime1">
+            <a:fld id="{4ADE35DD-7265-41C6-9E2A-205ADF0B08D5}" type="datetime1">
               <a:rPr lang="en-US" smtClean="0"/>
-              <a:t>9/10/14</a:t>
+              <a:t>10/22/2014</a:t>
             </a:fld>
             <a:endParaRPr lang="en-US"/>
           </a:p>
@@ -3609,7 +3611,7 @@
           <a:p>
             <a:fld id="{B4008EB6-D09E-4580-8CD6-DDB14511944F}" type="slidenum">
               <a:rPr lang="en-US" smtClean="0"/>
-              <a:t>35</a:t>
+              <a:t>36</a:t>
             </a:fld>
             <a:endParaRPr lang="en-US" dirty="0"/>
           </a:p>
@@ -3717,7 +3719,7 @@
     </p:spTree>
     <p:extLst>
       <p:ext uri="{BB962C8B-B14F-4D97-AF65-F5344CB8AC3E}">
-        <p14:creationId xmlns:p14="http://schemas.microsoft.com/office/powerpoint/2010/main" val="3703688786"/>
+        <p14:creationId xmlns:p14="http://schemas.microsoft.com/office/powerpoint/2010/main" val="2842563969"/>
       </p:ext>
     </p:extLst>
   </p:cSld>
@@ -3773,7 +3775,25 @@
           <a:p>
             <a:r>
               <a:rPr lang="en-US" dirty="0" smtClean="0"/>
-              <a:t>Makes it possible to call the app web or host web from JavaScript in the remote web</a:t>
+              <a:t>You’ll also need</a:t>
+            </a:r>
+          </a:p>
+          <a:p>
+            <a:r>
+              <a:rPr lang="en-US" dirty="0" smtClean="0"/>
+              <a:t>Sp.runtime.js</a:t>
+            </a:r>
+          </a:p>
+          <a:p>
+            <a:r>
+              <a:rPr lang="en-US" dirty="0" smtClean="0"/>
+              <a:t>Sp.js</a:t>
+            </a:r>
+          </a:p>
+          <a:p>
+            <a:r>
+              <a:rPr lang="en-US" dirty="0" smtClean="0"/>
+              <a:t>MicrosoftAjax.js</a:t>
             </a:r>
             <a:endParaRPr lang="en-US" dirty="0"/>
           </a:p>
@@ -3794,9 +3814,9 @@
           <a:bodyPr/>
           <a:lstStyle/>
           <a:p>
-            <a:fld id="{4ADE35DD-7265-41C6-9E2A-205ADF0B08D5}" type="datetime1">
+            <a:fld id="{953A25BC-2652-4E9B-8E04-C98C3E52A4F0}" type="datetime1">
               <a:rPr lang="en-US" smtClean="0"/>
-              <a:t>9/10/14</a:t>
+              <a:t>10/22/2014</a:t>
             </a:fld>
             <a:endParaRPr lang="en-US"/>
           </a:p>
@@ -3927,7 +3947,7 @@
     </p:spTree>
     <p:extLst>
       <p:ext uri="{BB962C8B-B14F-4D97-AF65-F5344CB8AC3E}">
-        <p14:creationId xmlns:p14="http://schemas.microsoft.com/office/powerpoint/2010/main" val="2842563969"/>
+        <p14:creationId xmlns:p14="http://schemas.microsoft.com/office/powerpoint/2010/main" val="3698973113"/>
       </p:ext>
     </p:extLst>
   </p:cSld>
@@ -3981,27 +4001,81 @@
           <a:bodyPr/>
           <a:lstStyle/>
           <a:p>
+            <a:pPr marL="228600" indent="-228600">
+              <a:buAutoNum type="arabicPeriod"/>
+            </a:pPr>
             <a:r>
               <a:rPr lang="en-US" dirty="0" smtClean="0"/>
-              <a:t>You’ll also need</a:t>
-            </a:r>
-          </a:p>
-          <a:p>
+              <a:t>The remote web loads the SPRequestExecutor.js library</a:t>
+            </a:r>
+          </a:p>
+          <a:p>
+            <a:pPr marL="228600" indent="-228600">
+              <a:buAutoNum type="arabicPeriod"/>
+            </a:pPr>
             <a:r>
               <a:rPr lang="en-US" dirty="0" smtClean="0"/>
-              <a:t>Sp.runtime.js</a:t>
-            </a:r>
-          </a:p>
-          <a:p>
+              <a:t>The remote web create a new </a:t>
+            </a:r>
+            <a:r>
+              <a:rPr lang="en-US" dirty="0" err="1" smtClean="0"/>
+              <a:t>SP.RequestExecutor</a:t>
+            </a:r>
             <a:r>
               <a:rPr lang="en-US" dirty="0" smtClean="0"/>
-              <a:t>Sp.js</a:t>
-            </a:r>
-          </a:p>
-          <a:p>
+              <a:t> object, initializing it with the URL of the app web</a:t>
+            </a:r>
+          </a:p>
+          <a:p>
+            <a:pPr marL="228600" indent="-228600">
+              <a:buAutoNum type="arabicPeriod"/>
+            </a:pPr>
             <a:r>
               <a:rPr lang="en-US" dirty="0" smtClean="0"/>
-              <a:t>MicrosoftAjax.js</a:t>
+              <a:t>This causes a hidden IFRAME to be created, which loads APPWebProxy.aspx from the LAYOUTS directory</a:t>
+            </a:r>
+          </a:p>
+          <a:p>
+            <a:pPr marL="228600" indent="-228600">
+              <a:buAutoNum type="arabicPeriod"/>
+            </a:pPr>
+            <a:r>
+              <a:rPr lang="en-US" dirty="0" smtClean="0"/>
+              <a:t>The </a:t>
+            </a:r>
+            <a:r>
+              <a:rPr lang="en-US" dirty="0" err="1" smtClean="0"/>
+              <a:t>SP.RequestExecutor</a:t>
+            </a:r>
+            <a:r>
+              <a:rPr lang="en-US" dirty="0" smtClean="0"/>
+              <a:t> object uses the HTML5 </a:t>
+            </a:r>
+            <a:r>
+              <a:rPr lang="en-US" dirty="0" err="1" smtClean="0"/>
+              <a:t>postmessage</a:t>
+            </a:r>
+            <a:r>
+              <a:rPr lang="en-US" dirty="0" smtClean="0"/>
+              <a:t> command to send requests from the remote web</a:t>
+            </a:r>
+          </a:p>
+          <a:p>
+            <a:pPr marL="228600" indent="-228600">
+              <a:buAutoNum type="arabicPeriod"/>
+            </a:pPr>
+            <a:r>
+              <a:rPr lang="en-US" dirty="0" smtClean="0"/>
+              <a:t>The request is executed by the AppWebProxy.aspx page</a:t>
+            </a:r>
+          </a:p>
+          <a:p>
+            <a:pPr marL="228600" indent="-228600">
+              <a:buAutoNum type="arabicPeriod"/>
+            </a:pPr>
+            <a:r>
+              <a:rPr lang="en-US" dirty="0" smtClean="0"/>
+              <a:t>The response is returned</a:t>
             </a:r>
             <a:endParaRPr lang="en-US" dirty="0"/>
           </a:p>
@@ -4022,9 +4096,9 @@
           <a:bodyPr/>
           <a:lstStyle/>
           <a:p>
-            <a:fld id="{953A25BC-2652-4E9B-8E04-C98C3E52A4F0}" type="datetime1">
+            <a:fld id="{011330EA-3A2F-4AA6-9551-59328781FD06}" type="datetime1">
               <a:rPr lang="en-US" smtClean="0"/>
-              <a:t>9/10/14</a:t>
+              <a:t>10/22/2014</a:t>
             </a:fld>
             <a:endParaRPr lang="en-US"/>
           </a:p>
@@ -4155,7 +4229,7 @@
     </p:spTree>
     <p:extLst>
       <p:ext uri="{BB962C8B-B14F-4D97-AF65-F5344CB8AC3E}">
-        <p14:creationId xmlns:p14="http://schemas.microsoft.com/office/powerpoint/2010/main" val="3698973113"/>
+        <p14:creationId xmlns:p14="http://schemas.microsoft.com/office/powerpoint/2010/main" val="1504649696"/>
       </p:ext>
     </p:extLst>
   </p:cSld>
@@ -4209,81 +4283,9 @@
           <a:bodyPr/>
           <a:lstStyle/>
           <a:p>
-            <a:pPr marL="228600" indent="-228600">
-              <a:buAutoNum type="arabicPeriod"/>
-            </a:pPr>
             <a:r>
               <a:rPr lang="en-US" dirty="0" smtClean="0"/>
-              <a:t>The remote web loads the SPRequestExecutor.js library</a:t>
-            </a:r>
-          </a:p>
-          <a:p>
-            <a:pPr marL="228600" indent="-228600">
-              <a:buAutoNum type="arabicPeriod"/>
-            </a:pPr>
-            <a:r>
-              <a:rPr lang="en-US" dirty="0" smtClean="0"/>
-              <a:t>The remote web create a new </a:t>
-            </a:r>
-            <a:r>
-              <a:rPr lang="en-US" dirty="0" err="1" smtClean="0"/>
-              <a:t>SP.RequestExecutor</a:t>
-            </a:r>
-            <a:r>
-              <a:rPr lang="en-US" dirty="0" smtClean="0"/>
-              <a:t> object, initializing it with the URL of the app web</a:t>
-            </a:r>
-          </a:p>
-          <a:p>
-            <a:pPr marL="228600" indent="-228600">
-              <a:buAutoNum type="arabicPeriod"/>
-            </a:pPr>
-            <a:r>
-              <a:rPr lang="en-US" dirty="0" smtClean="0"/>
-              <a:t>This causes a hidden IFRAME to be created, which loads APPWebProxy.aspx from the LAYOUTS directory</a:t>
-            </a:r>
-          </a:p>
-          <a:p>
-            <a:pPr marL="228600" indent="-228600">
-              <a:buAutoNum type="arabicPeriod"/>
-            </a:pPr>
-            <a:r>
-              <a:rPr lang="en-US" dirty="0" smtClean="0"/>
-              <a:t>The </a:t>
-            </a:r>
-            <a:r>
-              <a:rPr lang="en-US" dirty="0" err="1" smtClean="0"/>
-              <a:t>SP.RequestExecutor</a:t>
-            </a:r>
-            <a:r>
-              <a:rPr lang="en-US" dirty="0" smtClean="0"/>
-              <a:t> object uses the HTML5 </a:t>
-            </a:r>
-            <a:r>
-              <a:rPr lang="en-US" dirty="0" err="1" smtClean="0"/>
-              <a:t>postmessage</a:t>
-            </a:r>
-            <a:r>
-              <a:rPr lang="en-US" dirty="0" smtClean="0"/>
-              <a:t> command to send requests from the remote web</a:t>
-            </a:r>
-          </a:p>
-          <a:p>
-            <a:pPr marL="228600" indent="-228600">
-              <a:buAutoNum type="arabicPeriod"/>
-            </a:pPr>
-            <a:r>
-              <a:rPr lang="en-US" dirty="0" smtClean="0"/>
-              <a:t>The request is executed by the AppWebProxy.aspx page</a:t>
-            </a:r>
-          </a:p>
-          <a:p>
-            <a:pPr marL="228600" indent="-228600">
-              <a:buAutoNum type="arabicPeriod"/>
-            </a:pPr>
-            <a:r>
-              <a:rPr lang="en-US" dirty="0" smtClean="0"/>
-              <a:t>The response is returned</a:t>
+              <a:t>When calling the host web, you must switch the context</a:t>
             </a:r>
             <a:endParaRPr lang="en-US" dirty="0"/>
           </a:p>
@@ -4304,9 +4306,9 @@
           <a:bodyPr/>
           <a:lstStyle/>
           <a:p>
-            <a:fld id="{011330EA-3A2F-4AA6-9551-59328781FD06}" type="datetime1">
+            <a:fld id="{64C927B8-48AC-4209-AA95-18D990AB88E8}" type="datetime1">
               <a:rPr lang="en-US" smtClean="0"/>
-              <a:t>9/10/14</a:t>
+              <a:t>10/22/2014</a:t>
             </a:fld>
             <a:endParaRPr lang="en-US"/>
           </a:p>
@@ -4437,7 +4439,7 @@
     </p:spTree>
     <p:extLst>
       <p:ext uri="{BB962C8B-B14F-4D97-AF65-F5344CB8AC3E}">
-        <p14:creationId xmlns:p14="http://schemas.microsoft.com/office/powerpoint/2010/main" val="1504649696"/>
+        <p14:creationId xmlns:p14="http://schemas.microsoft.com/office/powerpoint/2010/main" val="279782320"/>
       </p:ext>
     </p:extLst>
   </p:cSld>
@@ -4491,10 +4493,29 @@
           <a:bodyPr/>
           <a:lstStyle/>
           <a:p>
+            <a:pPr marL="0" marR="0" indent="0" algn="l" defTabSz="914363" rtl="0" eaLnBrk="1" fontAlgn="auto" latinLnBrk="0" hangingPunct="1">
+              <a:lnSpc>
+                <a:spcPct val="90000"/>
+              </a:lnSpc>
+              <a:spcBef>
+                <a:spcPts val="0"/>
+              </a:spcBef>
+              <a:spcAft>
+                <a:spcPts val="333"/>
+              </a:spcAft>
+              <a:buClrTx/>
+              <a:buSzTx/>
+              <a:buFontTx/>
+              <a:buNone/>
+              <a:tabLst/>
+              <a:defRPr/>
+            </a:pPr>
             <a:r>
               <a:rPr lang="en-US" dirty="0" smtClean="0"/>
               <a:t>When calling the host web, you must switch the context</a:t>
             </a:r>
+          </a:p>
+          <a:p>
             <a:endParaRPr lang="en-US" dirty="0"/>
           </a:p>
         </p:txBody>
@@ -4514,9 +4535,9 @@
           <a:bodyPr/>
           <a:lstStyle/>
           <a:p>
-            <a:fld id="{64C927B8-48AC-4209-AA95-18D990AB88E8}" type="datetime1">
+            <a:fld id="{BC8BD616-3C53-4769-B049-3FE930DDEF97}" type="datetime1">
               <a:rPr lang="en-US" smtClean="0"/>
-              <a:t>9/10/14</a:t>
+              <a:t>10/22/2014</a:t>
             </a:fld>
             <a:endParaRPr lang="en-US"/>
           </a:p>
@@ -4647,7 +4668,7 @@
     </p:spTree>
     <p:extLst>
       <p:ext uri="{BB962C8B-B14F-4D97-AF65-F5344CB8AC3E}">
-        <p14:creationId xmlns:p14="http://schemas.microsoft.com/office/powerpoint/2010/main" val="279782320"/>
+        <p14:creationId xmlns:p14="http://schemas.microsoft.com/office/powerpoint/2010/main" val="3143704054"/>
       </p:ext>
     </p:extLst>
   </p:cSld>
@@ -4701,41 +4722,18 @@
           <a:bodyPr/>
           <a:lstStyle/>
           <a:p>
-            <a:pPr marL="0" marR="0" indent="0" algn="l" defTabSz="914363" rtl="0" eaLnBrk="1" fontAlgn="auto" latinLnBrk="0" hangingPunct="1">
-              <a:lnSpc>
-                <a:spcPct val="90000"/>
-              </a:lnSpc>
-              <a:spcBef>
-                <a:spcPts val="0"/>
-              </a:spcBef>
-              <a:spcAft>
-                <a:spcPts val="333"/>
-              </a:spcAft>
-              <a:buClrTx/>
-              <a:buSzTx/>
-              <a:buFontTx/>
-              <a:buNone/>
-              <a:tabLst/>
-              <a:defRPr/>
-            </a:pPr>
-            <a:r>
-              <a:rPr lang="en-US" dirty="0" smtClean="0"/>
-              <a:t>When calling the host web, you must switch the context</a:t>
-            </a:r>
-          </a:p>
-          <a:p>
             <a:endParaRPr lang="en-US" dirty="0"/>
           </a:p>
         </p:txBody>
       </p:sp>
       <p:sp>
         <p:nvSpPr>
-          <p:cNvPr id="4" name="Date Placeholder 3"/>
+          <p:cNvPr id="4" name="Footer Placeholder 3"/>
           <p:cNvSpPr>
             <a:spLocks noGrp="1"/>
           </p:cNvSpPr>
           <p:nvPr>
-            <p:ph type="dt" idx="10"/>
+            <p:ph type="ftr" sz="quarter" idx="10"/>
           </p:nvPr>
         </p:nvSpPr>
         <p:spPr/>
@@ -4743,85 +4741,16 @@
           <a:bodyPr/>
           <a:lstStyle/>
           <a:p>
-            <a:fld id="{BC8BD616-3C53-4769-B049-3FE930DDEF97}" type="datetime1">
-              <a:rPr lang="en-US" smtClean="0"/>
-              <a:t>9/10/14</a:t>
-            </a:fld>
-            <a:endParaRPr lang="en-US"/>
-          </a:p>
-        </p:txBody>
-      </p:sp>
-      <p:sp>
-        <p:nvSpPr>
-          <p:cNvPr id="5" name="Slide Number Placeholder 4"/>
-          <p:cNvSpPr>
-            <a:spLocks noGrp="1"/>
-          </p:cNvSpPr>
-          <p:nvPr>
-            <p:ph type="sldNum" sz="quarter" idx="11"/>
-          </p:nvPr>
-        </p:nvSpPr>
-        <p:spPr/>
-        <p:txBody>
-          <a:bodyPr/>
-          <a:lstStyle/>
-          <a:p>
-            <a:fld id="{B4008EB6-D09E-4580-8CD6-DDB14511944F}" type="slidenum">
-              <a:rPr lang="en-US" smtClean="0"/>
-              <a:t>41</a:t>
-            </a:fld>
-            <a:endParaRPr lang="en-US" dirty="0"/>
-          </a:p>
-        </p:txBody>
-      </p:sp>
-      <p:sp>
-        <p:nvSpPr>
-          <p:cNvPr id="6" name="Header Placeholder 5"/>
-          <p:cNvSpPr>
-            <a:spLocks noGrp="1"/>
-          </p:cNvSpPr>
-          <p:nvPr>
-            <p:ph type="hdr" sz="quarter" idx="12"/>
-          </p:nvPr>
-        </p:nvSpPr>
-        <p:spPr/>
-        <p:txBody>
-          <a:bodyPr/>
-          <a:lstStyle/>
-          <a:p>
-            <a:r>
-              <a:rPr lang="en-US" smtClean="0"/>
-              <a:t>Microsoft Office</a:t>
-            </a:r>
-            <a:endParaRPr lang="en-US" dirty="0"/>
-          </a:p>
-        </p:txBody>
-      </p:sp>
-      <p:sp>
-        <p:nvSpPr>
-          <p:cNvPr id="7" name="Footer Placeholder 6"/>
-          <p:cNvSpPr>
-            <a:spLocks noGrp="1"/>
-          </p:cNvSpPr>
-          <p:nvPr>
-            <p:ph type="ftr" sz="quarter" idx="13"/>
-          </p:nvPr>
-        </p:nvSpPr>
-        <p:spPr/>
-        <p:txBody>
-          <a:bodyPr/>
-          <a:lstStyle/>
-          <a:p>
-            <a:pPr marL="231775" defTabSz="914099" eaLnBrk="0" hangingPunct="0"/>
-            <a:r>
-              <a:rPr lang="en-US" sz="500" smtClean="0">
+            <a:pPr defTabSz="914099" eaLnBrk="0" hangingPunct="0"/>
+            <a:r>
+              <a:rPr lang="en-US" sz="400" smtClean="0">
                 <a:gradFill>
                   <a:gsLst>
                     <a:gs pos="0">
-                      <a:schemeClr val="tx1"/>
+                      <a:prstClr val="black"/>
                     </a:gs>
                     <a:gs pos="100000">
-                      <a:schemeClr val="tx1"/>
+                      <a:prstClr val="black"/>
                     </a:gs>
                   </a:gsLst>
                   <a:lin ang="5400000" scaled="0"/>
@@ -4830,38 +4759,16 @@
                 <a:ea typeface="Segoe UI" pitchFamily="34" charset="0"/>
                 <a:cs typeface="Segoe UI" pitchFamily="34" charset="0"/>
               </a:rPr>
-              <a:t>© 2012 Microsoft Corporation. All rights reserved. Microsoft, Windows, and other product names are or may be registered trademarks and/or trademarks in the U.S. and/or other countries.</a:t>
-            </a:r>
-          </a:p>
-          <a:p>
-            <a:pPr marL="231775" defTabSz="914099" eaLnBrk="0" hangingPunct="0"/>
-            <a:r>
-              <a:rPr lang="en-US" sz="500" smtClean="0">
-                <a:gradFill>
-                  <a:gsLst>
-                    <a:gs pos="0">
-                      <a:schemeClr val="tx1"/>
-                    </a:gs>
-                    <a:gs pos="100000">
-                      <a:schemeClr val="tx1"/>
-                    </a:gs>
-                  </a:gsLst>
-                  <a:lin ang="5400000" scaled="0"/>
-                </a:gradFill>
-                <a:latin typeface="Segoe UI" pitchFamily="34" charset="0"/>
-                <a:ea typeface="Segoe UI" pitchFamily="34" charset="0"/>
-                <a:cs typeface="Segoe UI" pitchFamily="34" charset="0"/>
-              </a:rPr>
-              <a:t>The information herein is for informational purposes only and represents the current view of Microsoft Corporation as of the date of this presentation.  Because Microsoft must respond to changing market conditions, it should not be interpreted to be a commitment on the part of Microsoft, and Microsoft cannot guarantee the accuracy of any information provided after the date of this presentation.  MICROSOFT MAKES NO WARRANTIES, EXPRESS, IMPLIED OR STATUTORY, AS TO THE INFORMATION IN THIS PRESENTATION.</a:t>
-            </a:r>
-            <a:endParaRPr lang="en-US" sz="500" dirty="0">
+              <a:t>© 2014 Microsoft Corporation. All rights reserved. Microsoft, Windows, and other product names are or may be registered trademarks and/or trademarks in the U.S. and/or other countries. The information herein is for informational purposes only and represents the current view of Microsoft Corporation as of the date of this presentation.  Because Microsoft must respond to changing market conditions, it should not be interpreted to be a commitment on the part of Microsoft, and Microsoft cannot guarantee the accuracy of any information provided after the date of this presentation.  MICROSOFT MAKES NO WARRANTIES, EXPRESS, IMPLIED OR STATUTORY, AS TO THE INFORMATION IN THIS PRESENTATION.</a:t>
+            </a:r>
+            <a:endParaRPr lang="en-US" sz="400" dirty="0" smtClean="0">
               <a:gradFill>
                 <a:gsLst>
                   <a:gs pos="0">
-                    <a:schemeClr val="tx1"/>
+                    <a:prstClr val="black"/>
                   </a:gs>
                   <a:gs pos="100000">
-                    <a:schemeClr val="tx1"/>
+                    <a:prstClr val="black"/>
                   </a:gs>
                 </a:gsLst>
                 <a:lin ang="5400000" scaled="0"/>
@@ -4873,10 +4780,80 @@
           </a:p>
         </p:txBody>
       </p:sp>
+      <p:sp>
+        <p:nvSpPr>
+          <p:cNvPr id="5" name="Date Placeholder 4"/>
+          <p:cNvSpPr>
+            <a:spLocks noGrp="1"/>
+          </p:cNvSpPr>
+          <p:nvPr>
+            <p:ph type="dt" idx="11"/>
+          </p:nvPr>
+        </p:nvSpPr>
+        <p:spPr/>
+        <p:txBody>
+          <a:bodyPr/>
+          <a:lstStyle/>
+          <a:p>
+            <a:fld id="{B079C3B8-7366-4A44-A34B-3977080C19E7}" type="datetime1">
+              <a:rPr lang="en-US" smtClean="0"/>
+              <a:t>10/22/2014</a:t>
+            </a:fld>
+            <a:endParaRPr lang="en-US" dirty="0"/>
+          </a:p>
+        </p:txBody>
+      </p:sp>
+      <p:sp>
+        <p:nvSpPr>
+          <p:cNvPr id="6" name="Slide Number Placeholder 5"/>
+          <p:cNvSpPr>
+            <a:spLocks noGrp="1"/>
+          </p:cNvSpPr>
+          <p:nvPr>
+            <p:ph type="sldNum" sz="quarter" idx="12"/>
+          </p:nvPr>
+        </p:nvSpPr>
+        <p:spPr/>
+        <p:txBody>
+          <a:bodyPr/>
+          <a:lstStyle/>
+          <a:p>
+            <a:fld id="{B4008EB6-D09E-4580-8CD6-DDB14511944F}" type="slidenum">
+              <a:rPr lang="en-US" smtClean="0"/>
+              <a:pPr/>
+              <a:t>41</a:t>
+            </a:fld>
+            <a:endParaRPr lang="en-US" dirty="0"/>
+          </a:p>
+        </p:txBody>
+      </p:sp>
+      <p:sp>
+        <p:nvSpPr>
+          <p:cNvPr id="7" name="Header Placeholder 6"/>
+          <p:cNvSpPr>
+            <a:spLocks noGrp="1"/>
+          </p:cNvSpPr>
+          <p:nvPr>
+            <p:ph type="hdr" sz="quarter" idx="13"/>
+          </p:nvPr>
+        </p:nvSpPr>
+        <p:spPr/>
+        <p:txBody>
+          <a:bodyPr/>
+          <a:lstStyle/>
+          <a:p>
+            <a:r>
+              <a:rPr lang="en-US" smtClean="0"/>
+              <a:t>Build 2014</a:t>
+            </a:r>
+            <a:endParaRPr lang="en-US" dirty="0"/>
+          </a:p>
+        </p:txBody>
+      </p:sp>
     </p:spTree>
     <p:extLst>
       <p:ext uri="{BB962C8B-B14F-4D97-AF65-F5344CB8AC3E}">
-        <p14:creationId xmlns:p14="http://schemas.microsoft.com/office/powerpoint/2010/main" val="3143704054"/>
+        <p14:creationId xmlns:p14="http://schemas.microsoft.com/office/powerpoint/2010/main" val="2718827734"/>
       </p:ext>
     </p:extLst>
   </p:cSld>
@@ -4930,104 +4907,70 @@
           <a:bodyPr/>
           <a:lstStyle/>
           <a:p>
+            <a:endParaRPr lang="en-US"/>
+          </a:p>
+        </p:txBody>
+      </p:sp>
+      <p:sp>
+        <p:nvSpPr>
+          <p:cNvPr id="4" name="Header Placeholder 3"/>
+          <p:cNvSpPr>
+            <a:spLocks noGrp="1"/>
+          </p:cNvSpPr>
+          <p:nvPr>
+            <p:ph type="hdr" sz="quarter" idx="10"/>
+          </p:nvPr>
+        </p:nvSpPr>
+        <p:spPr>
+          <a:xfrm>
+            <a:off x="0" y="0"/>
+            <a:ext cx="2971800" cy="457200"/>
+          </a:xfrm>
+          <a:prstGeom prst="rect">
+            <a:avLst/>
+          </a:prstGeom>
+        </p:spPr>
+        <p:txBody>
+          <a:bodyPr/>
+          <a:lstStyle/>
+          <a:p>
             <a:endParaRPr lang="en-US" dirty="0"/>
           </a:p>
         </p:txBody>
       </p:sp>
       <p:sp>
         <p:nvSpPr>
-          <p:cNvPr id="4" name="Date Placeholder 3"/>
+          <p:cNvPr id="5" name="Footer Placeholder 4"/>
           <p:cNvSpPr>
             <a:spLocks noGrp="1"/>
           </p:cNvSpPr>
           <p:nvPr>
-            <p:ph type="dt" idx="10"/>
-          </p:nvPr>
-        </p:nvSpPr>
-        <p:spPr/>
+            <p:ph type="ftr" sz="quarter" idx="11"/>
+          </p:nvPr>
+        </p:nvSpPr>
+        <p:spPr>
+          <a:xfrm>
+            <a:off x="0" y="8686800"/>
+            <a:ext cx="5920740" cy="355964"/>
+          </a:xfrm>
+          <a:prstGeom prst="rect">
+            <a:avLst/>
+          </a:prstGeom>
+        </p:spPr>
         <p:txBody>
           <a:bodyPr/>
           <a:lstStyle/>
           <a:p>
-            <a:fld id="{6DFBD1BE-6A4F-4D98-BF0B-ADDB5A85FBE3}" type="datetime1">
-              <a:rPr lang="en-US" smtClean="0"/>
-              <a:t>9/10/14</a:t>
-            </a:fld>
-            <a:endParaRPr lang="en-US"/>
-          </a:p>
-        </p:txBody>
-      </p:sp>
-      <p:sp>
-        <p:nvSpPr>
-          <p:cNvPr id="5" name="Slide Number Placeholder 4"/>
-          <p:cNvSpPr>
-            <a:spLocks noGrp="1"/>
-          </p:cNvSpPr>
-          <p:nvPr>
-            <p:ph type="sldNum" sz="quarter" idx="11"/>
-          </p:nvPr>
-        </p:nvSpPr>
-        <p:spPr/>
-        <p:txBody>
-          <a:bodyPr/>
-          <a:lstStyle/>
-          <a:p>
-            <a:fld id="{B4008EB6-D09E-4580-8CD6-DDB14511944F}" type="slidenum">
-              <a:rPr lang="en-US" smtClean="0"/>
-              <a:t>42</a:t>
-            </a:fld>
-            <a:endParaRPr lang="en-US" dirty="0"/>
-          </a:p>
-        </p:txBody>
-      </p:sp>
-      <p:sp>
-        <p:nvSpPr>
-          <p:cNvPr id="6" name="Header Placeholder 5"/>
-          <p:cNvSpPr>
-            <a:spLocks noGrp="1"/>
-          </p:cNvSpPr>
-          <p:nvPr>
-            <p:ph type="hdr" sz="quarter" idx="12"/>
-          </p:nvPr>
-        </p:nvSpPr>
-        <p:spPr/>
-        <p:txBody>
-          <a:bodyPr/>
-          <a:lstStyle/>
-          <a:p>
-            <a:r>
-              <a:rPr lang="en-US" smtClean="0"/>
-              <a:t>Microsoft Office</a:t>
-            </a:r>
-            <a:endParaRPr lang="en-US" dirty="0"/>
-          </a:p>
-        </p:txBody>
-      </p:sp>
-      <p:sp>
-        <p:nvSpPr>
-          <p:cNvPr id="7" name="Footer Placeholder 6"/>
-          <p:cNvSpPr>
-            <a:spLocks noGrp="1"/>
-          </p:cNvSpPr>
-          <p:nvPr>
-            <p:ph type="ftr" sz="quarter" idx="13"/>
-          </p:nvPr>
-        </p:nvSpPr>
-        <p:spPr/>
-        <p:txBody>
-          <a:bodyPr/>
-          <a:lstStyle/>
-          <a:p>
-            <a:pPr marL="231775" defTabSz="914099" eaLnBrk="0" hangingPunct="0"/>
-            <a:r>
-              <a:rPr lang="en-US" sz="500" smtClean="0">
+            <a:pPr defTabSz="914099" eaLnBrk="0" hangingPunct="0"/>
+            <a:r>
+              <a:rPr lang="en-US" sz="400" smtClean="0">
                 <a:gradFill>
                   <a:gsLst>
                     <a:gs pos="0">
-                      <a:schemeClr val="tx1"/>
+                      <a:prstClr val="black"/>
                     </a:gs>
                     <a:gs pos="100000">
-                      <a:schemeClr val="tx1"/>
+                      <a:prstClr val="black"/>
                     </a:gs>
                   </a:gsLst>
                   <a:lin ang="5400000" scaled="0"/>
@@ -5040,16 +4983,16 @@
             </a:r>
           </a:p>
           <a:p>
-            <a:pPr marL="231775" defTabSz="914099" eaLnBrk="0" hangingPunct="0"/>
-            <a:r>
-              <a:rPr lang="en-US" sz="500" smtClean="0">
+            <a:pPr defTabSz="914099" eaLnBrk="0" hangingPunct="0"/>
+            <a:r>
+              <a:rPr lang="en-US" sz="400" smtClean="0">
                 <a:gradFill>
                   <a:gsLst>
                     <a:gs pos="0">
-                      <a:schemeClr val="tx1"/>
+                      <a:prstClr val="black"/>
                     </a:gs>
                     <a:gs pos="100000">
-                      <a:schemeClr val="tx1"/>
+                      <a:prstClr val="black"/>
                     </a:gs>
                   </a:gsLst>
                   <a:lin ang="5400000" scaled="0"/>
@@ -5059,121 +5002,6 @@
                 <a:cs typeface="Segoe UI" pitchFamily="34" charset="0"/>
               </a:rPr>
               <a:t>The information herein is for informational purposes only and represents the current view of Microsoft Corporation as of the date of this presentation.  Because Microsoft must respond to changing market conditions, it should not be interpreted to be a commitment on the part of Microsoft, and Microsoft cannot guarantee the accuracy of any information provided after the date of this presentation.  MICROSOFT MAKES NO WARRANTIES, EXPRESS, IMPLIED OR STATUTORY, AS TO THE INFORMATION IN THIS PRESENTATION.</a:t>
-            </a:r>
-            <a:endParaRPr lang="en-US" sz="500" dirty="0">
-              <a:gradFill>
-                <a:gsLst>
-                  <a:gs pos="0">
-                    <a:schemeClr val="tx1"/>
-                  </a:gs>
-                  <a:gs pos="100000">
-                    <a:schemeClr val="tx1"/>
-                  </a:gs>
-                </a:gsLst>
-                <a:lin ang="5400000" scaled="0"/>
-              </a:gradFill>
-              <a:latin typeface="Segoe UI" pitchFamily="34" charset="0"/>
-              <a:ea typeface="Segoe UI" pitchFamily="34" charset="0"/>
-              <a:cs typeface="Segoe UI" pitchFamily="34" charset="0"/>
-            </a:endParaRPr>
-          </a:p>
-        </p:txBody>
-      </p:sp>
-    </p:spTree>
-    <p:extLst>
-      <p:ext uri="{BB962C8B-B14F-4D97-AF65-F5344CB8AC3E}">
-        <p14:creationId xmlns:p14="http://schemas.microsoft.com/office/powerpoint/2010/main" val="483350293"/>
-      </p:ext>
-    </p:extLst>
-  </p:cSld>
-  <p:clrMapOvr>
-    <a:masterClrMapping/>
-  </p:clrMapOvr>
-</p:notes>
-</file>
-
-<file path=ppt/notesSlides/notesSlide27.xml><?xml version="1.0" encoding="utf-8"?>
-<p:notes xmlns:a="http://schemas.openxmlformats.org/drawingml/2006/main" xmlns:r="http://schemas.openxmlformats.org/officeDocument/2006/relationships" xmlns:p="http://schemas.openxmlformats.org/presentationml/2006/main">
-  <p:cSld>
-    <p:spTree>
-      <p:nvGrpSpPr>
-        <p:cNvPr id="1" name=""/>
-        <p:cNvGrpSpPr/>
-        <p:nvPr/>
-      </p:nvGrpSpPr>
-      <p:grpSpPr>
-        <a:xfrm>
-          <a:off x="0" y="0"/>
-          <a:ext cx="0" cy="0"/>
-          <a:chOff x="0" y="0"/>
-          <a:chExt cx="0" cy="0"/>
-        </a:xfrm>
-      </p:grpSpPr>
-      <p:sp>
-        <p:nvSpPr>
-          <p:cNvPr id="2" name="Slide Image Placeholder 1"/>
-          <p:cNvSpPr>
-            <a:spLocks noGrp="1" noRot="1" noChangeAspect="1"/>
-          </p:cNvSpPr>
-          <p:nvPr>
-            <p:ph type="sldImg"/>
-          </p:nvPr>
-        </p:nvSpPr>
-        <p:spPr/>
-      </p:sp>
-      <p:sp>
-        <p:nvSpPr>
-          <p:cNvPr id="3" name="Notes Placeholder 2"/>
-          <p:cNvSpPr>
-            <a:spLocks noGrp="1"/>
-          </p:cNvSpPr>
-          <p:nvPr>
-            <p:ph type="body" idx="1"/>
-          </p:nvPr>
-        </p:nvSpPr>
-        <p:spPr/>
-        <p:txBody>
-          <a:bodyPr/>
-          <a:lstStyle/>
-          <a:p>
-            <a:endParaRPr lang="en-US" dirty="0"/>
-          </a:p>
-        </p:txBody>
-      </p:sp>
-      <p:sp>
-        <p:nvSpPr>
-          <p:cNvPr id="4" name="Footer Placeholder 3"/>
-          <p:cNvSpPr>
-            <a:spLocks noGrp="1"/>
-          </p:cNvSpPr>
-          <p:nvPr>
-            <p:ph type="ftr" sz="quarter" idx="10"/>
-          </p:nvPr>
-        </p:nvSpPr>
-        <p:spPr/>
-        <p:txBody>
-          <a:bodyPr/>
-          <a:lstStyle/>
-          <a:p>
-            <a:pPr defTabSz="914099" eaLnBrk="0" hangingPunct="0"/>
-            <a:r>
-              <a:rPr lang="en-US" sz="400" smtClean="0">
-                <a:gradFill>
-                  <a:gsLst>
-                    <a:gs pos="0">
-                      <a:prstClr val="black"/>
-                    </a:gs>
-                    <a:gs pos="100000">
-                      <a:prstClr val="black"/>
-                    </a:gs>
-                  </a:gsLst>
-                  <a:lin ang="5400000" scaled="0"/>
-                </a:gradFill>
-                <a:latin typeface="Segoe UI" pitchFamily="34" charset="0"/>
-                <a:ea typeface="Segoe UI" pitchFamily="34" charset="0"/>
-                <a:cs typeface="Segoe UI" pitchFamily="34" charset="0"/>
-              </a:rPr>
-              <a:t>© 2014 Microsoft Corporation. All rights reserved. Microsoft, Windows, and other product names are or may be registered trademarks and/or trademarks in the U.S. and/or other countries. The information herein is for informational purposes only and represents the current view of Microsoft Corporation as of the date of this presentation.  Because Microsoft must respond to changing market conditions, it should not be interpreted to be a commitment on the part of Microsoft, and Microsoft cannot guarantee the accuracy of any information provided after the date of this presentation.  MICROSOFT MAKES NO WARRANTIES, EXPRESS, IMPLIED OR STATUTORY, AS TO THE INFORMATION IN THIS PRESENTATION.</a:t>
             </a:r>
             <a:endParaRPr lang="en-US" sz="400" dirty="0" smtClean="0">
               <a:gradFill>
@@ -5196,12 +5024,12 @@
       </p:sp>
       <p:sp>
         <p:nvSpPr>
-          <p:cNvPr id="5" name="Date Placeholder 4"/>
+          <p:cNvPr id="6" name="Date Placeholder 5"/>
           <p:cNvSpPr>
             <a:spLocks noGrp="1"/>
           </p:cNvSpPr>
           <p:nvPr>
-            <p:ph type="dt" idx="11"/>
+            <p:ph type="dt" idx="12"/>
           </p:nvPr>
         </p:nvSpPr>
         <p:spPr/>
@@ -5209,22 +5037,22 @@
           <a:bodyPr/>
           <a:lstStyle/>
           <a:p>
-            <a:fld id="{B079C3B8-7366-4A44-A34B-3977080C19E7}" type="datetime1">
+            <a:fld id="{0BB6559B-C68D-49B4-97AE-9BB74C417927}" type="datetime1">
               <a:rPr lang="en-US" smtClean="0"/>
-              <a:t>9/10/14</a:t>
+              <a:t>10/22/2014</a:t>
             </a:fld>
-            <a:endParaRPr lang="en-US" dirty="0"/>
-          </a:p>
-        </p:txBody>
-      </p:sp>
-      <p:sp>
-        <p:nvSpPr>
-          <p:cNvPr id="6" name="Slide Number Placeholder 5"/>
+            <a:endParaRPr lang="en-US"/>
+          </a:p>
+        </p:txBody>
+      </p:sp>
+      <p:sp>
+        <p:nvSpPr>
+          <p:cNvPr id="7" name="Slide Number Placeholder 6"/>
           <p:cNvSpPr>
             <a:spLocks noGrp="1"/>
           </p:cNvSpPr>
           <p:nvPr>
-            <p:ph type="sldNum" sz="quarter" idx="12"/>
+            <p:ph type="sldNum" sz="quarter" idx="13"/>
           </p:nvPr>
         </p:nvSpPr>
         <p:spPr/>
@@ -5234,249 +5062,7 @@
           <a:p>
             <a:fld id="{B4008EB6-D09E-4580-8CD6-DDB14511944F}" type="slidenum">
               <a:rPr lang="en-US" smtClean="0"/>
-              <a:pPr/>
-              <a:t>43</a:t>
-            </a:fld>
-            <a:endParaRPr lang="en-US" dirty="0"/>
-          </a:p>
-        </p:txBody>
-      </p:sp>
-      <p:sp>
-        <p:nvSpPr>
-          <p:cNvPr id="7" name="Header Placeholder 6"/>
-          <p:cNvSpPr>
-            <a:spLocks noGrp="1"/>
-          </p:cNvSpPr>
-          <p:nvPr>
-            <p:ph type="hdr" sz="quarter" idx="13"/>
-          </p:nvPr>
-        </p:nvSpPr>
-        <p:spPr/>
-        <p:txBody>
-          <a:bodyPr/>
-          <a:lstStyle/>
-          <a:p>
-            <a:r>
-              <a:rPr lang="en-US" smtClean="0"/>
-              <a:t>Build 2014</a:t>
-            </a:r>
-            <a:endParaRPr lang="en-US" dirty="0"/>
-          </a:p>
-        </p:txBody>
-      </p:sp>
-    </p:spTree>
-    <p:extLst>
-      <p:ext uri="{BB962C8B-B14F-4D97-AF65-F5344CB8AC3E}">
-        <p14:creationId xmlns:p14="http://schemas.microsoft.com/office/powerpoint/2010/main" val="2718827734"/>
-      </p:ext>
-    </p:extLst>
-  </p:cSld>
-  <p:clrMapOvr>
-    <a:masterClrMapping/>
-  </p:clrMapOvr>
-</p:notes>
-</file>
-
-<file path=ppt/notesSlides/notesSlide28.xml><?xml version="1.0" encoding="utf-8"?>
-<p:notes xmlns:a="http://schemas.openxmlformats.org/drawingml/2006/main" xmlns:r="http://schemas.openxmlformats.org/officeDocument/2006/relationships" xmlns:p="http://schemas.openxmlformats.org/presentationml/2006/main">
-  <p:cSld>
-    <p:spTree>
-      <p:nvGrpSpPr>
-        <p:cNvPr id="1" name=""/>
-        <p:cNvGrpSpPr/>
-        <p:nvPr/>
-      </p:nvGrpSpPr>
-      <p:grpSpPr>
-        <a:xfrm>
-          <a:off x="0" y="0"/>
-          <a:ext cx="0" cy="0"/>
-          <a:chOff x="0" y="0"/>
-          <a:chExt cx="0" cy="0"/>
-        </a:xfrm>
-      </p:grpSpPr>
-      <p:sp>
-        <p:nvSpPr>
-          <p:cNvPr id="2" name="Slide Image Placeholder 1"/>
-          <p:cNvSpPr>
-            <a:spLocks noGrp="1" noRot="1" noChangeAspect="1"/>
-          </p:cNvSpPr>
-          <p:nvPr>
-            <p:ph type="sldImg"/>
-          </p:nvPr>
-        </p:nvSpPr>
-        <p:spPr/>
-      </p:sp>
-      <p:sp>
-        <p:nvSpPr>
-          <p:cNvPr id="3" name="Notes Placeholder 2"/>
-          <p:cNvSpPr>
-            <a:spLocks noGrp="1"/>
-          </p:cNvSpPr>
-          <p:nvPr>
-            <p:ph type="body" idx="1"/>
-          </p:nvPr>
-        </p:nvSpPr>
-        <p:spPr/>
-        <p:txBody>
-          <a:bodyPr/>
-          <a:lstStyle/>
-          <a:p>
-            <a:endParaRPr lang="en-US"/>
-          </a:p>
-        </p:txBody>
-      </p:sp>
-      <p:sp>
-        <p:nvSpPr>
-          <p:cNvPr id="4" name="Header Placeholder 3"/>
-          <p:cNvSpPr>
-            <a:spLocks noGrp="1"/>
-          </p:cNvSpPr>
-          <p:nvPr>
-            <p:ph type="hdr" sz="quarter" idx="10"/>
-          </p:nvPr>
-        </p:nvSpPr>
-        <p:spPr>
-          <a:xfrm>
-            <a:off x="0" y="0"/>
-            <a:ext cx="2971800" cy="457200"/>
-          </a:xfrm>
-          <a:prstGeom prst="rect">
-            <a:avLst/>
-          </a:prstGeom>
-        </p:spPr>
-        <p:txBody>
-          <a:bodyPr/>
-          <a:lstStyle/>
-          <a:p>
-            <a:endParaRPr lang="en-US" dirty="0"/>
-          </a:p>
-        </p:txBody>
-      </p:sp>
-      <p:sp>
-        <p:nvSpPr>
-          <p:cNvPr id="5" name="Footer Placeholder 4"/>
-          <p:cNvSpPr>
-            <a:spLocks noGrp="1"/>
-          </p:cNvSpPr>
-          <p:nvPr>
-            <p:ph type="ftr" sz="quarter" idx="11"/>
-          </p:nvPr>
-        </p:nvSpPr>
-        <p:spPr>
-          <a:xfrm>
-            <a:off x="0" y="8686800"/>
-            <a:ext cx="5920740" cy="355964"/>
-          </a:xfrm>
-          <a:prstGeom prst="rect">
-            <a:avLst/>
-          </a:prstGeom>
-        </p:spPr>
-        <p:txBody>
-          <a:bodyPr/>
-          <a:lstStyle/>
-          <a:p>
-            <a:pPr defTabSz="914099" eaLnBrk="0" hangingPunct="0"/>
-            <a:r>
-              <a:rPr lang="en-US" sz="400" smtClean="0">
-                <a:gradFill>
-                  <a:gsLst>
-                    <a:gs pos="0">
-                      <a:prstClr val="black"/>
-                    </a:gs>
-                    <a:gs pos="100000">
-                      <a:prstClr val="black"/>
-                    </a:gs>
-                  </a:gsLst>
-                  <a:lin ang="5400000" scaled="0"/>
-                </a:gradFill>
-                <a:latin typeface="Segoe UI" pitchFamily="34" charset="0"/>
-                <a:ea typeface="Segoe UI" pitchFamily="34" charset="0"/>
-                <a:cs typeface="Segoe UI" pitchFamily="34" charset="0"/>
-              </a:rPr>
-              <a:t>© 2012 Microsoft Corporation. All rights reserved. Microsoft, Windows, and other product names are or may be registered trademarks and/or trademarks in the U.S. and/or other countries.</a:t>
-            </a:r>
-          </a:p>
-          <a:p>
-            <a:pPr defTabSz="914099" eaLnBrk="0" hangingPunct="0"/>
-            <a:r>
-              <a:rPr lang="en-US" sz="400" smtClean="0">
-                <a:gradFill>
-                  <a:gsLst>
-                    <a:gs pos="0">
-                      <a:prstClr val="black"/>
-                    </a:gs>
-                    <a:gs pos="100000">
-                      <a:prstClr val="black"/>
-                    </a:gs>
-                  </a:gsLst>
-                  <a:lin ang="5400000" scaled="0"/>
-                </a:gradFill>
-                <a:latin typeface="Segoe UI" pitchFamily="34" charset="0"/>
-                <a:ea typeface="Segoe UI" pitchFamily="34" charset="0"/>
-                <a:cs typeface="Segoe UI" pitchFamily="34" charset="0"/>
-              </a:rPr>
-              <a:t>The information herein is for informational purposes only and represents the current view of Microsoft Corporation as of the date of this presentation.  Because Microsoft must respond to changing market conditions, it should not be interpreted to be a commitment on the part of Microsoft, and Microsoft cannot guarantee the accuracy of any information provided after the date of this presentation.  MICROSOFT MAKES NO WARRANTIES, EXPRESS, IMPLIED OR STATUTORY, AS TO THE INFORMATION IN THIS PRESENTATION.</a:t>
-            </a:r>
-            <a:endParaRPr lang="en-US" sz="400" dirty="0" smtClean="0">
-              <a:gradFill>
-                <a:gsLst>
-                  <a:gs pos="0">
-                    <a:prstClr val="black"/>
-                  </a:gs>
-                  <a:gs pos="100000">
-                    <a:prstClr val="black"/>
-                  </a:gs>
-                </a:gsLst>
-                <a:lin ang="5400000" scaled="0"/>
-              </a:gradFill>
-              <a:latin typeface="Segoe UI" pitchFamily="34" charset="0"/>
-              <a:ea typeface="Segoe UI" pitchFamily="34" charset="0"/>
-              <a:cs typeface="Segoe UI" pitchFamily="34" charset="0"/>
-            </a:endParaRPr>
-          </a:p>
-        </p:txBody>
-      </p:sp>
-      <p:sp>
-        <p:nvSpPr>
-          <p:cNvPr id="6" name="Date Placeholder 5"/>
-          <p:cNvSpPr>
-            <a:spLocks noGrp="1"/>
-          </p:cNvSpPr>
-          <p:nvPr>
-            <p:ph type="dt" idx="12"/>
-          </p:nvPr>
-        </p:nvSpPr>
-        <p:spPr/>
-        <p:txBody>
-          <a:bodyPr/>
-          <a:lstStyle/>
-          <a:p>
-            <a:fld id="{0BB6559B-C68D-49B4-97AE-9BB74C417927}" type="datetime1">
-              <a:rPr lang="en-US" smtClean="0"/>
-              <a:t>9/10/14</a:t>
-            </a:fld>
-            <a:endParaRPr lang="en-US"/>
-          </a:p>
-        </p:txBody>
-      </p:sp>
-      <p:sp>
-        <p:nvSpPr>
-          <p:cNvPr id="7" name="Slide Number Placeholder 6"/>
-          <p:cNvSpPr>
-            <a:spLocks noGrp="1"/>
-          </p:cNvSpPr>
-          <p:nvPr>
-            <p:ph type="sldNum" sz="quarter" idx="13"/>
-          </p:nvPr>
-        </p:nvSpPr>
-        <p:spPr/>
-        <p:txBody>
-          <a:bodyPr/>
-          <a:lstStyle/>
-          <a:p>
-            <a:fld id="{B4008EB6-D09E-4580-8CD6-DDB14511944F}" type="slidenum">
-              <a:rPr lang="en-US" smtClean="0"/>
-              <a:t>44</a:t>
+              <a:t>42</a:t>
             </a:fld>
             <a:endParaRPr lang="en-US" dirty="0"/>
           </a:p>
@@ -5604,7 +5190,7 @@
           <a:p>
             <a:fld id="{0C3C20F7-22CF-4B06-A2C4-710BBA74F6A5}" type="datetime1">
               <a:rPr lang="en-US" smtClean="0"/>
-              <a:t>9/10/14</a:t>
+              <a:t>10/22/2014</a:t>
             </a:fld>
             <a:endParaRPr lang="en-US"/>
           </a:p>
@@ -5810,7 +5396,7 @@
           <a:p>
             <a:fld id="{6E50E453-F0F1-4F28-9386-D0CC835A3436}" type="datetime1">
               <a:rPr lang="en-US" smtClean="0"/>
-              <a:t>9/10/14</a:t>
+              <a:t>10/22/2014</a:t>
             </a:fld>
             <a:endParaRPr lang="en-US"/>
           </a:p>
@@ -6036,7 +5622,7 @@
           <a:p>
             <a:fld id="{C032A2CD-423F-467E-9AF6-DEA41E45D21C}" type="datetime1">
               <a:rPr lang="en-US" smtClean="0"/>
-              <a:t>9/10/14</a:t>
+              <a:t>10/22/2014</a:t>
             </a:fld>
             <a:endParaRPr lang="en-US"/>
           </a:p>
@@ -6322,7 +5908,7 @@
           <a:p>
             <a:fld id="{09D58FB4-9AD0-481B-8C84-A17E43C7859F}" type="datetime1">
               <a:rPr lang="en-US" smtClean="0"/>
-              <a:t>9/10/14</a:t>
+              <a:t>10/22/2014</a:t>
             </a:fld>
             <a:endParaRPr lang="en-US"/>
           </a:p>
@@ -6542,7 +6128,7 @@
           <a:p>
             <a:fld id="{7A5C1551-8DBF-450A-B3B4-597F4F42AC44}" type="datetime1">
               <a:rPr lang="en-US" smtClean="0"/>
-              <a:t>9/10/14</a:t>
+              <a:t>10/22/2014</a:t>
             </a:fld>
             <a:endParaRPr lang="en-US"/>
           </a:p>
@@ -6787,7 +6373,7 @@
           <a:p>
             <a:fld id="{E18369E4-77BE-4358-8410-33F33BA75378}" type="datetime1">
               <a:rPr lang="en-US" smtClean="0"/>
-              <a:t>9/10/14</a:t>
+              <a:t>10/22/2014</a:t>
             </a:fld>
             <a:endParaRPr lang="en-US"/>
           </a:p>
@@ -7007,7 +6593,7 @@
           <a:p>
             <a:fld id="{E1069F9F-5C72-40FE-A962-D85A4E6A7779}" type="datetime1">
               <a:rPr lang="en-US" smtClean="0"/>
-              <a:t>9/10/14</a:t>
+              <a:t>10/22/2014</a:t>
             </a:fld>
             <a:endParaRPr lang="en-US"/>
           </a:p>
@@ -7324,7 +6910,7 @@
   <p:timing>
     <p:tnLst>
       <p:par>
-        <p:cTn xmlns:p14="http://schemas.microsoft.com/office/powerpoint/2010/main" id="1" dur="indefinite" restart="never" nodeType="tmRoot"/>
+        <p:cTn id="1" dur="indefinite" restart="never" nodeType="tmRoot"/>
       </p:par>
     </p:tnLst>
   </p:timing>
@@ -7667,7 +7253,7 @@
   <p:timing>
     <p:tnLst>
       <p:par>
-        <p:cTn xmlns:p14="http://schemas.microsoft.com/office/powerpoint/2010/main" id="1" dur="indefinite" restart="never" nodeType="tmRoot"/>
+        <p:cTn id="1" dur="indefinite" restart="never" nodeType="tmRoot"/>
       </p:par>
     </p:tnLst>
   </p:timing>
@@ -8015,7 +7601,7 @@
   <p:timing>
     <p:tnLst>
       <p:par>
-        <p:cTn xmlns:p14="http://schemas.microsoft.com/office/powerpoint/2010/main" id="1" dur="indefinite" restart="never" nodeType="tmRoot"/>
+        <p:cTn id="1" dur="indefinite" restart="never" nodeType="tmRoot"/>
       </p:par>
     </p:tnLst>
   </p:timing>
@@ -8315,7 +7901,7 @@
   <p:timing>
     <p:tnLst>
       <p:par>
-        <p:cTn xmlns:p14="http://schemas.microsoft.com/office/powerpoint/2010/main" id="1" dur="indefinite" restart="never" nodeType="tmRoot"/>
+        <p:cTn id="1" dur="indefinite" restart="never" nodeType="tmRoot"/>
       </p:par>
     </p:tnLst>
   </p:timing>
@@ -8654,7 +8240,7 @@
   <p:timing>
     <p:tnLst>
       <p:par>
-        <p:cTn xmlns:p14="http://schemas.microsoft.com/office/powerpoint/2010/main" id="1" dur="indefinite" restart="never" nodeType="tmRoot"/>
+        <p:cTn id="1" dur="indefinite" restart="never" nodeType="tmRoot"/>
       </p:par>
     </p:tnLst>
   </p:timing>
@@ -9027,7 +8613,7 @@
   <p:timing>
     <p:tnLst>
       <p:par>
-        <p:cTn xmlns:p14="http://schemas.microsoft.com/office/powerpoint/2010/main" id="1" dur="indefinite" restart="never" nodeType="tmRoot"/>
+        <p:cTn id="1" dur="indefinite" restart="never" nodeType="tmRoot"/>
       </p:par>
     </p:tnLst>
   </p:timing>
@@ -9400,7 +8986,7 @@
   <p:timing>
     <p:tnLst>
       <p:par>
-        <p:cTn xmlns:p14="http://schemas.microsoft.com/office/powerpoint/2010/main" id="1" dur="indefinite" restart="never" nodeType="tmRoot"/>
+        <p:cTn id="1" dur="indefinite" restart="never" nodeType="tmRoot"/>
       </p:par>
     </p:tnLst>
   </p:timing>
@@ -9856,7 +9442,7 @@
   <p:clrMapOvr>
     <a:masterClrMapping/>
   </p:clrMapOvr>
-  <p:transition xmlns:p14="http://schemas.microsoft.com/office/powerpoint/2010/main">
+  <p:transition>
     <p:fade/>
   </p:transition>
 </p:sldLayout>
@@ -9889,7 +9475,7 @@
   <p:clrMapOvr>
     <a:masterClrMapping/>
   </p:clrMapOvr>
-  <p:transition xmlns:p14="http://schemas.microsoft.com/office/powerpoint/2010/main">
+  <p:transition>
     <p:fade/>
   </p:transition>
 </p:sldLayout>
@@ -10197,7 +9783,7 @@
   <p:clrMapOvr>
     <a:masterClrMapping/>
   </p:clrMapOvr>
-  <p:transition xmlns:p14="http://schemas.microsoft.com/office/powerpoint/2010/main">
+  <p:transition>
     <p:fade/>
   </p:transition>
 </p:sldLayout>
@@ -10312,13 +9898,13 @@
   <p:clrMapOvr>
     <a:masterClrMapping/>
   </p:clrMapOvr>
-  <p:transition xmlns:p14="http://schemas.microsoft.com/office/powerpoint/2010/main">
+  <p:transition>
     <p:fade/>
   </p:transition>
   <p:timing>
     <p:tnLst>
       <p:par>
-        <p:cTn xmlns:p14="http://schemas.microsoft.com/office/powerpoint/2010/main" id="1" dur="indefinite" restart="never" nodeType="tmRoot"/>
+        <p:cTn id="1" dur="indefinite" restart="never" nodeType="tmRoot"/>
       </p:par>
     </p:tnLst>
   </p:timing>
@@ -10646,13 +10232,13 @@
   <p:clrMapOvr>
     <a:masterClrMapping/>
   </p:clrMapOvr>
-  <p:transition xmlns:p14="http://schemas.microsoft.com/office/powerpoint/2010/main">
+  <p:transition>
     <p:fade/>
   </p:transition>
   <p:timing>
     <p:tnLst>
       <p:par>
-        <p:cTn xmlns:p14="http://schemas.microsoft.com/office/powerpoint/2010/main" id="1" dur="indefinite" restart="never" nodeType="tmRoot"/>
+        <p:cTn id="1" dur="indefinite" restart="never" nodeType="tmRoot"/>
       </p:par>
     </p:tnLst>
   </p:timing>
@@ -10859,13 +10445,13 @@
   <p:clrMapOvr>
     <a:masterClrMapping/>
   </p:clrMapOvr>
-  <p:transition xmlns:p14="http://schemas.microsoft.com/office/powerpoint/2010/main">
+  <p:transition>
     <p:fade/>
   </p:transition>
   <p:timing>
     <p:tnLst>
       <p:par>
-        <p:cTn xmlns:p14="http://schemas.microsoft.com/office/powerpoint/2010/main" id="1" dur="indefinite" restart="never" nodeType="tmRoot"/>
+        <p:cTn id="1" dur="indefinite" restart="never" nodeType="tmRoot"/>
       </p:par>
     </p:tnLst>
   </p:timing>
@@ -11087,13 +10673,13 @@
   <p:clrMapOvr>
     <a:masterClrMapping/>
   </p:clrMapOvr>
-  <p:transition xmlns:p14="http://schemas.microsoft.com/office/powerpoint/2010/main">
+  <p:transition>
     <p:fade/>
   </p:transition>
   <p:timing>
     <p:tnLst>
       <p:par>
-        <p:cTn xmlns:p14="http://schemas.microsoft.com/office/powerpoint/2010/main" id="1" dur="indefinite" restart="never" nodeType="tmRoot"/>
+        <p:cTn id="1" dur="indefinite" restart="never" nodeType="tmRoot"/>
       </p:par>
     </p:tnLst>
   </p:timing>
@@ -11102,291 +10688,6 @@
 </file>
 
 <file path=ppt/slideLayouts/slideLayout23.xml><?xml version="1.0" encoding="utf-8"?>
-<p:sldLayout xmlns:a="http://schemas.openxmlformats.org/drawingml/2006/main" xmlns:r="http://schemas.openxmlformats.org/officeDocument/2006/relationships" xmlns:p="http://schemas.openxmlformats.org/presentationml/2006/main">
-  <p:cSld name="1_Demo Slide">
-    <p:bg>
-      <p:bgPr>
-        <a:solidFill>
-          <a:srgbClr val="007233"/>
-        </a:solidFill>
-        <a:effectLst/>
-      </p:bgPr>
-    </p:bg>
-    <p:spTree>
-      <p:nvGrpSpPr>
-        <p:cNvPr id="1" name=""/>
-        <p:cNvGrpSpPr/>
-        <p:nvPr/>
-      </p:nvGrpSpPr>
-      <p:grpSpPr>
-        <a:xfrm>
-          <a:off x="0" y="0"/>
-          <a:ext cx="0" cy="0"/>
-          <a:chOff x="0" y="0"/>
-          <a:chExt cx="0" cy="0"/>
-        </a:xfrm>
-      </p:grpSpPr>
-      <p:sp>
-        <p:nvSpPr>
-          <p:cNvPr id="3" name="Subtitle 2"/>
-          <p:cNvSpPr>
-            <a:spLocks noGrp="1"/>
-          </p:cNvSpPr>
-          <p:nvPr>
-            <p:ph type="subTitle" idx="1" hasCustomPrompt="1"/>
-          </p:nvPr>
-        </p:nvSpPr>
-        <p:spPr>
-          <a:xfrm>
-            <a:off x="415636" y="4771506"/>
-            <a:ext cx="10484896" cy="1604356"/>
-          </a:xfrm>
-          <a:prstGeom prst="rect">
-            <a:avLst/>
-          </a:prstGeom>
-        </p:spPr>
-        <p:txBody>
-          <a:bodyPr anchor="ctr">
-            <a:noAutofit/>
-          </a:bodyPr>
-          <a:lstStyle>
-            <a:lvl1pPr marL="0" marR="0" indent="0" algn="l" defTabSz="914001" rtl="0" eaLnBrk="1" fontAlgn="auto" latinLnBrk="0" hangingPunct="1">
-              <a:lnSpc>
-                <a:spcPct val="90000"/>
-              </a:lnSpc>
-              <a:spcBef>
-                <a:spcPts val="0"/>
-              </a:spcBef>
-              <a:spcAft>
-                <a:spcPts val="0"/>
-              </a:spcAft>
-              <a:buClr>
-                <a:srgbClr val="00DCFF"/>
-              </a:buClr>
-              <a:buSzPct val="90000"/>
-              <a:buFont typeface="Arial" pitchFamily="34" charset="0"/>
-              <a:buNone/>
-              <a:tabLst/>
-              <a:defRPr sz="2799" b="1" cap="all" baseline="0">
-                <a:solidFill>
-                  <a:schemeClr val="bg1">
-                    <a:alpha val="99000"/>
-                  </a:schemeClr>
-                </a:solidFill>
-              </a:defRPr>
-            </a:lvl1pPr>
-            <a:lvl2pPr marL="457001" indent="0" algn="ctr">
-              <a:buNone/>
-              <a:defRPr>
-                <a:solidFill>
-                  <a:schemeClr val="tx1">
-                    <a:tint val="75000"/>
-                  </a:schemeClr>
-                </a:solidFill>
-              </a:defRPr>
-            </a:lvl2pPr>
-            <a:lvl3pPr marL="914001" indent="0" algn="ctr">
-              <a:buNone/>
-              <a:defRPr>
-                <a:solidFill>
-                  <a:schemeClr val="tx1">
-                    <a:tint val="75000"/>
-                  </a:schemeClr>
-                </a:solidFill>
-              </a:defRPr>
-            </a:lvl3pPr>
-            <a:lvl4pPr marL="1371002" indent="0" algn="ctr">
-              <a:buNone/>
-              <a:defRPr>
-                <a:solidFill>
-                  <a:schemeClr val="tx1">
-                    <a:tint val="75000"/>
-                  </a:schemeClr>
-                </a:solidFill>
-              </a:defRPr>
-            </a:lvl4pPr>
-            <a:lvl5pPr marL="1828003" indent="0" algn="ctr">
-              <a:buNone/>
-              <a:defRPr>
-                <a:solidFill>
-                  <a:schemeClr val="tx1">
-                    <a:tint val="75000"/>
-                  </a:schemeClr>
-                </a:solidFill>
-              </a:defRPr>
-            </a:lvl5pPr>
-            <a:lvl6pPr marL="2285004" indent="0" algn="ctr">
-              <a:buNone/>
-              <a:defRPr>
-                <a:solidFill>
-                  <a:schemeClr val="tx1">
-                    <a:tint val="75000"/>
-                  </a:schemeClr>
-                </a:solidFill>
-              </a:defRPr>
-            </a:lvl6pPr>
-            <a:lvl7pPr marL="2742003" indent="0" algn="ctr">
-              <a:buNone/>
-              <a:defRPr>
-                <a:solidFill>
-                  <a:schemeClr val="tx1">
-                    <a:tint val="75000"/>
-                  </a:schemeClr>
-                </a:solidFill>
-              </a:defRPr>
-            </a:lvl7pPr>
-            <a:lvl8pPr marL="3199004" indent="0" algn="ctr">
-              <a:buNone/>
-              <a:defRPr>
-                <a:solidFill>
-                  <a:schemeClr val="tx1">
-                    <a:tint val="75000"/>
-                  </a:schemeClr>
-                </a:solidFill>
-              </a:defRPr>
-            </a:lvl8pPr>
-            <a:lvl9pPr marL="3656005" indent="0" algn="ctr">
-              <a:buNone/>
-              <a:defRPr>
-                <a:solidFill>
-                  <a:schemeClr val="tx1">
-                    <a:tint val="75000"/>
-                  </a:schemeClr>
-                </a:solidFill>
-              </a:defRPr>
-            </a:lvl9pPr>
-          </a:lstStyle>
-          <a:p>
-            <a:r>
-              <a:rPr lang="en-US" b="0" dirty="0" smtClean="0"/>
-              <a:t>{Sample Code Location e.g., Codeshow.codeplex.com} </a:t>
-            </a:r>
-          </a:p>
-          <a:p>
-            <a:r>
-              <a:rPr lang="en-US" dirty="0" smtClean="0"/>
-              <a:t>(</a:t>
-            </a:r>
-            <a:r>
-              <a:rPr lang="en-US" dirty="0" err="1" smtClean="0"/>
-              <a:t>dEMO</a:t>
-            </a:r>
-            <a:r>
-              <a:rPr lang="en-US" dirty="0" smtClean="0"/>
-              <a:t> NAME)</a:t>
-            </a:r>
-            <a:endParaRPr lang="en-US" dirty="0"/>
-          </a:p>
-        </p:txBody>
-      </p:sp>
-      <p:sp>
-        <p:nvSpPr>
-          <p:cNvPr id="10" name="Text Placeholder 9"/>
-          <p:cNvSpPr>
-            <a:spLocks noGrp="1"/>
-          </p:cNvSpPr>
-          <p:nvPr>
-            <p:ph type="body" sz="quarter" idx="10" hasCustomPrompt="1"/>
-          </p:nvPr>
-        </p:nvSpPr>
-        <p:spPr>
-          <a:xfrm>
-            <a:off x="415636" y="3117272"/>
-            <a:ext cx="10720676" cy="1383983"/>
-          </a:xfrm>
-          <a:prstGeom prst="rect">
-            <a:avLst/>
-          </a:prstGeom>
-        </p:spPr>
-        <p:txBody>
-          <a:bodyPr anchor="ctr"/>
-          <a:lstStyle>
-            <a:lvl1pPr algn="l">
-              <a:defRPr sz="7197" baseline="0">
-                <a:solidFill>
-                  <a:schemeClr val="bg1">
-                    <a:alpha val="99000"/>
-                  </a:schemeClr>
-                </a:solidFill>
-                <a:latin typeface="Segoe UI Light" panose="020B0502040204020203" pitchFamily="34" charset="0"/>
-                <a:cs typeface="Segoe UI Light" panose="020B0502040204020203" pitchFamily="34" charset="0"/>
-              </a:defRPr>
-            </a:lvl1pPr>
-            <a:lvl2pPr>
-              <a:defRPr sz="5997">
-                <a:solidFill>
-                  <a:schemeClr val="bg1">
-                    <a:alpha val="99000"/>
-                  </a:schemeClr>
-                </a:solidFill>
-                <a:latin typeface="+mj-lt"/>
-              </a:defRPr>
-            </a:lvl2pPr>
-            <a:lvl3pPr>
-              <a:defRPr sz="5997">
-                <a:solidFill>
-                  <a:schemeClr val="bg1">
-                    <a:alpha val="99000"/>
-                  </a:schemeClr>
-                </a:solidFill>
-                <a:latin typeface="+mj-lt"/>
-              </a:defRPr>
-            </a:lvl3pPr>
-            <a:lvl4pPr>
-              <a:defRPr sz="5997">
-                <a:solidFill>
-                  <a:schemeClr val="bg1">
-                    <a:alpha val="99000"/>
-                  </a:schemeClr>
-                </a:solidFill>
-                <a:latin typeface="+mj-lt"/>
-              </a:defRPr>
-            </a:lvl4pPr>
-            <a:lvl5pPr>
-              <a:defRPr sz="5997">
-                <a:solidFill>
-                  <a:schemeClr val="bg1">
-                    <a:alpha val="99000"/>
-                  </a:schemeClr>
-                </a:solidFill>
-                <a:latin typeface="+mj-lt"/>
-              </a:defRPr>
-            </a:lvl5pPr>
-          </a:lstStyle>
-          <a:p>
-            <a:pPr lvl="0"/>
-            <a:r>
-              <a:rPr lang="en-US" dirty="0" smtClean="0"/>
-              <a:t>demo</a:t>
-            </a:r>
-            <a:endParaRPr lang="en-US" dirty="0"/>
-          </a:p>
-        </p:txBody>
-      </p:sp>
-    </p:spTree>
-    <p:extLst>
-      <p:ext uri="{BB962C8B-B14F-4D97-AF65-F5344CB8AC3E}">
-        <p14:creationId xmlns:p14="http://schemas.microsoft.com/office/powerpoint/2010/main" val="803327927"/>
-      </p:ext>
-    </p:extLst>
-  </p:cSld>
-  <p:clrMapOvr>
-    <a:masterClrMapping/>
-  </p:clrMapOvr>
-  <p:transition xmlns:p14="http://schemas.microsoft.com/office/powerpoint/2010/main">
-    <p:fade/>
-  </p:transition>
-  <p:timing>
-    <p:tnLst>
-      <p:par>
-        <p:cTn xmlns:p14="http://schemas.microsoft.com/office/powerpoint/2010/main" id="1" dur="indefinite" restart="never" nodeType="tmRoot"/>
-      </p:par>
-    </p:tnLst>
-  </p:timing>
-</p:sldLayout>
-</file>
-
-<file path=ppt/slideLayouts/slideLayout24.xml><?xml version="1.0" encoding="utf-8"?>
 <p:sldLayout xmlns:a="http://schemas.openxmlformats.org/drawingml/2006/main" xmlns:r="http://schemas.openxmlformats.org/officeDocument/2006/relationships" xmlns:p="http://schemas.openxmlformats.org/presentationml/2006/main" userDrawn="1">
   <p:cSld name="Module Layout">
     <p:bg>
@@ -11599,13 +10900,13 @@
   <p:clrMapOvr>
     <a:masterClrMapping/>
   </p:clrMapOvr>
-  <p:transition xmlns:p14="http://schemas.microsoft.com/office/powerpoint/2010/main">
+  <p:transition>
     <p:fade/>
   </p:transition>
   <p:timing>
     <p:tnLst>
       <p:par>
-        <p:cTn xmlns:p14="http://schemas.microsoft.com/office/powerpoint/2010/main" id="1" dur="indefinite" restart="never" nodeType="tmRoot"/>
+        <p:cTn id="1" dur="indefinite" restart="never" nodeType="tmRoot"/>
       </p:par>
     </p:tnLst>
   </p:timing>
@@ -11613,7 +10914,7 @@
 </p:sldLayout>
 </file>
 
-<file path=ppt/slideLayouts/slideLayout25.xml><?xml version="1.0" encoding="utf-8"?>
+<file path=ppt/slideLayouts/slideLayout24.xml><?xml version="1.0" encoding="utf-8"?>
 <p:sldLayout xmlns:a="http://schemas.openxmlformats.org/drawingml/2006/main" xmlns:r="http://schemas.openxmlformats.org/officeDocument/2006/relationships" xmlns:p="http://schemas.openxmlformats.org/presentationml/2006/main" userDrawn="1">
   <p:cSld name="Picture Shape &amp; Color Background w/ Title">
     <p:spTree>
@@ -12021,19 +11322,19 @@
   <p:clrMapOvr>
     <a:masterClrMapping/>
   </p:clrMapOvr>
-  <p:transition xmlns:p14="http://schemas.microsoft.com/office/powerpoint/2010/main">
+  <p:transition>
     <p:fade/>
   </p:transition>
   <p:timing>
     <p:tnLst>
       <p:par>
-        <p:cTn xmlns:p14="http://schemas.microsoft.com/office/powerpoint/2010/main" id="1" dur="indefinite" restart="never" nodeType="tmRoot"/>
+        <p:cTn id="1" dur="indefinite" restart="never" nodeType="tmRoot"/>
       </p:par>
     </p:tnLst>
   </p:timing>
   <p:extLst mod="1">
     <p:ext uri="{DCECCB84-F9BA-43D5-87BE-67443E8EF086}">
-      <p15:sldGuideLst xmlns:p15="http://schemas.microsoft.com/office/powerpoint/2012/main" xmlns="">
+      <p15:sldGuideLst xmlns:p15="http://schemas.microsoft.com/office/powerpoint/2012/main">
         <p15:guide id="1" orient="horz" pos="2203">
           <p15:clr>
             <a:srgbClr val="FBAE40"/>
@@ -12050,7 +11351,7 @@
 </p:sldLayout>
 </file>
 
-<file path=ppt/slideLayouts/slideLayout26.xml><?xml version="1.0" encoding="utf-8"?>
+<file path=ppt/slideLayouts/slideLayout25.xml><?xml version="1.0" encoding="utf-8"?>
 <p:sldLayout xmlns:a="http://schemas.openxmlformats.org/drawingml/2006/main" xmlns:r="http://schemas.openxmlformats.org/officeDocument/2006/relationships" xmlns:p="http://schemas.openxmlformats.org/presentationml/2006/main" type="obj">
   <p:cSld name="Title and Content">
     <p:spTree>
@@ -12196,14 +11497,14 @@
   <p:timing>
     <p:tnLst>
       <p:par>
-        <p:cTn xmlns:p14="http://schemas.microsoft.com/office/powerpoint/2010/main" id="1" dur="indefinite" restart="never" nodeType="tmRoot"/>
+        <p:cTn id="1" dur="indefinite" restart="never" nodeType="tmRoot"/>
       </p:par>
     </p:tnLst>
   </p:timing>
 </p:sldLayout>
 </file>
 
-<file path=ppt/slideLayouts/slideLayout27.xml><?xml version="1.0" encoding="utf-8"?>
+<file path=ppt/slideLayouts/slideLayout26.xml><?xml version="1.0" encoding="utf-8"?>
 <p:sldLayout xmlns:a="http://schemas.openxmlformats.org/drawingml/2006/main" xmlns:r="http://schemas.openxmlformats.org/officeDocument/2006/relationships" xmlns:p="http://schemas.openxmlformats.org/presentationml/2006/main" userDrawn="1">
   <p:cSld name="Blank Layout">
     <p:spTree>
@@ -12256,7 +11557,7 @@
 </p:sldLayout>
 </file>
 
-<file path=ppt/slideLayouts/slideLayout28.xml><?xml version="1.0" encoding="utf-8"?>
+<file path=ppt/slideLayouts/slideLayout27.xml><?xml version="1.0" encoding="utf-8"?>
 <p:sldLayout xmlns:a="http://schemas.openxmlformats.org/drawingml/2006/main" xmlns:r="http://schemas.openxmlformats.org/officeDocument/2006/relationships" xmlns:p="http://schemas.openxmlformats.org/presentationml/2006/main" preserve="1" userDrawn="1">
   <p:cSld name="Divider Slide Orange">
     <p:bg>
@@ -12426,14 +11727,14 @@
   <p:timing>
     <p:tnLst>
       <p:par>
-        <p:cTn xmlns:p14="http://schemas.microsoft.com/office/powerpoint/2010/main" id="1" dur="indefinite" restart="never" nodeType="tmRoot"/>
+        <p:cTn id="1" dur="indefinite" restart="never" nodeType="tmRoot"/>
       </p:par>
     </p:tnLst>
   </p:timing>
 </p:sldLayout>
 </file>
 
-<file path=ppt/slideLayouts/slideLayout29.xml><?xml version="1.0" encoding="utf-8"?>
+<file path=ppt/slideLayouts/slideLayout28.xml><?xml version="1.0" encoding="utf-8"?>
 <p:sldLayout xmlns:a="http://schemas.openxmlformats.org/drawingml/2006/main" xmlns:r="http://schemas.openxmlformats.org/officeDocument/2006/relationships" xmlns:p="http://schemas.openxmlformats.org/presentationml/2006/main" preserve="1" userDrawn="1">
   <p:cSld name="Divider Slide Green">
     <p:bg>
@@ -12603,7 +11904,184 @@
   <p:timing>
     <p:tnLst>
       <p:par>
-        <p:cTn xmlns:p14="http://schemas.microsoft.com/office/powerpoint/2010/main" id="1" dur="indefinite" restart="never" nodeType="tmRoot"/>
+        <p:cTn id="1" dur="indefinite" restart="never" nodeType="tmRoot"/>
+      </p:par>
+    </p:tnLst>
+  </p:timing>
+</p:sldLayout>
+</file>
+
+<file path=ppt/slideLayouts/slideLayout29.xml><?xml version="1.0" encoding="utf-8"?>
+<p:sldLayout xmlns:a="http://schemas.openxmlformats.org/drawingml/2006/main" xmlns:r="http://schemas.openxmlformats.org/officeDocument/2006/relationships" xmlns:p="http://schemas.openxmlformats.org/presentationml/2006/main" preserve="1" userDrawn="1">
+  <p:cSld name="Divider Slide Blue">
+    <p:bg>
+      <p:bgPr>
+        <a:solidFill>
+          <a:srgbClr val="00188F"/>
+        </a:solidFill>
+        <a:effectLst/>
+      </p:bgPr>
+    </p:bg>
+    <p:spTree>
+      <p:nvGrpSpPr>
+        <p:cNvPr id="1" name=""/>
+        <p:cNvGrpSpPr/>
+        <p:nvPr/>
+      </p:nvGrpSpPr>
+      <p:grpSpPr>
+        <a:xfrm>
+          <a:off x="0" y="0"/>
+          <a:ext cx="0" cy="0"/>
+          <a:chOff x="0" y="0"/>
+          <a:chExt cx="0" cy="0"/>
+        </a:xfrm>
+      </p:grpSpPr>
+      <p:sp>
+        <p:nvSpPr>
+          <p:cNvPr id="2" name="Title 1"/>
+          <p:cNvSpPr>
+            <a:spLocks noGrp="1"/>
+          </p:cNvSpPr>
+          <p:nvPr>
+            <p:ph type="title" hasCustomPrompt="1"/>
+          </p:nvPr>
+        </p:nvSpPr>
+        <p:spPr>
+          <a:xfrm>
+            <a:off x="978694" y="2109542"/>
+            <a:ext cx="10237787" cy="997196"/>
+          </a:xfrm>
+          <a:prstGeom prst="rect">
+            <a:avLst/>
+          </a:prstGeom>
+        </p:spPr>
+        <p:txBody>
+          <a:bodyPr anchor="b" anchorCtr="0"/>
+          <a:lstStyle>
+            <a:lvl1pPr>
+              <a:defRPr sz="7200" spc="-150" baseline="0"/>
+            </a:lvl1pPr>
+          </a:lstStyle>
+          <a:p>
+            <a:r>
+              <a:rPr lang="en-US" dirty="0" smtClean="0"/>
+              <a:t>Click to edit title style</a:t>
+            </a:r>
+            <a:endParaRPr lang="en-US" dirty="0"/>
+          </a:p>
+        </p:txBody>
+      </p:sp>
+      <p:sp>
+        <p:nvSpPr>
+          <p:cNvPr id="5" name="Text Placeholder 4"/>
+          <p:cNvSpPr>
+            <a:spLocks noGrp="1"/>
+          </p:cNvSpPr>
+          <p:nvPr>
+            <p:ph type="body" sz="quarter" idx="12" hasCustomPrompt="1"/>
+          </p:nvPr>
+        </p:nvSpPr>
+        <p:spPr>
+          <a:xfrm>
+            <a:off x="978694" y="3425825"/>
+            <a:ext cx="10237787" cy="498598"/>
+          </a:xfrm>
+          <a:prstGeom prst="rect">
+            <a:avLst/>
+          </a:prstGeom>
+        </p:spPr>
+        <p:txBody>
+          <a:bodyPr>
+            <a:noAutofit/>
+          </a:bodyPr>
+          <a:lstStyle>
+            <a:lvl1pPr marL="0" indent="0">
+              <a:spcBef>
+                <a:spcPts val="0"/>
+              </a:spcBef>
+              <a:buNone/>
+              <a:defRPr spc="-70" baseline="0">
+                <a:gradFill>
+                  <a:gsLst>
+                    <a:gs pos="0">
+                      <a:schemeClr val="tx1"/>
+                    </a:gs>
+                    <a:gs pos="100000">
+                      <a:schemeClr val="tx1"/>
+                    </a:gs>
+                  </a:gsLst>
+                  <a:lin ang="5400000" scaled="0"/>
+                </a:gradFill>
+                <a:latin typeface="+mj-lt"/>
+              </a:defRPr>
+            </a:lvl1pPr>
+          </a:lstStyle>
+          <a:p>
+            <a:pPr lvl="0"/>
+            <a:r>
+              <a:rPr lang="en-US" dirty="0" smtClean="0"/>
+              <a:t>Subtitle</a:t>
+            </a:r>
+            <a:endParaRPr lang="en-US" dirty="0"/>
+          </a:p>
+        </p:txBody>
+      </p:sp>
+      <p:pic>
+        <p:nvPicPr>
+          <p:cNvPr id="7" name="Picture 6"/>
+          <p:cNvPicPr>
+            <a:picLocks noChangeAspect="1"/>
+          </p:cNvPicPr>
+          <p:nvPr userDrawn="1"/>
+        </p:nvPicPr>
+        <p:blipFill>
+          <a:blip r:embed="rId2">
+            <a:extLst>
+              <a:ext uri="{28A0092B-C50C-407E-A947-70E740481C1C}">
+                <a14:useLocalDpi xmlns:a14="http://schemas.microsoft.com/office/drawing/2010/main" val="0"/>
+              </a:ext>
+            </a:extLst>
+          </a:blip>
+          <a:stretch>
+            <a:fillRect/>
+          </a:stretch>
+        </p:blipFill>
+        <p:spPr>
+          <a:xfrm>
+            <a:off x="10193312" y="6014913"/>
+            <a:ext cx="1738860" cy="815899"/>
+          </a:xfrm>
+          <a:prstGeom prst="rect">
+            <a:avLst/>
+          </a:prstGeom>
+        </p:spPr>
+      </p:pic>
+    </p:spTree>
+    <p:extLst>
+      <p:ext uri="{BB962C8B-B14F-4D97-AF65-F5344CB8AC3E}">
+        <p14:creationId xmlns:p14="http://schemas.microsoft.com/office/powerpoint/2010/main" val="3587076083"/>
+      </p:ext>
+    </p:extLst>
+  </p:cSld>
+  <p:clrMapOvr>
+    <a:masterClrMapping/>
+  </p:clrMapOvr>
+  <mc:AlternateContent xmlns:mc="http://schemas.openxmlformats.org/markup-compatibility/2006" xmlns:p14="http://schemas.microsoft.com/office/powerpoint/2010/main">
+    <mc:Choice Requires="p14">
+      <p:transition spd="slow" p14:dur="3400">
+        <p14:reveal/>
+      </p:transition>
+    </mc:Choice>
+    <mc:Fallback xmlns="">
+      <p:transition spd="slow">
+        <p:fade/>
+      </p:transition>
+    </mc:Fallback>
+  </mc:AlternateContent>
+  <p:timing>
+    <p:tnLst>
+      <p:par>
+        <p:cTn id="1" dur="indefinite" restart="never" nodeType="tmRoot"/>
       </p:par>
     </p:tnLst>
   </p:timing>
@@ -12906,7 +12384,7 @@
   <p:timing>
     <p:tnLst>
       <p:par>
-        <p:cTn xmlns:p14="http://schemas.microsoft.com/office/powerpoint/2010/main" id="1" dur="indefinite" restart="never" nodeType="tmRoot"/>
+        <p:cTn id="1" dur="indefinite" restart="never" nodeType="tmRoot"/>
       </p:par>
     </p:tnLst>
   </p:timing>
@@ -12914,183 +12392,6 @@
 </file>
 
 <file path=ppt/slideLayouts/slideLayout30.xml><?xml version="1.0" encoding="utf-8"?>
-<p:sldLayout xmlns:a="http://schemas.openxmlformats.org/drawingml/2006/main" xmlns:r="http://schemas.openxmlformats.org/officeDocument/2006/relationships" xmlns:p="http://schemas.openxmlformats.org/presentationml/2006/main" preserve="1" userDrawn="1">
-  <p:cSld name="Divider Slide Blue">
-    <p:bg>
-      <p:bgPr>
-        <a:solidFill>
-          <a:srgbClr val="00188F"/>
-        </a:solidFill>
-        <a:effectLst/>
-      </p:bgPr>
-    </p:bg>
-    <p:spTree>
-      <p:nvGrpSpPr>
-        <p:cNvPr id="1" name=""/>
-        <p:cNvGrpSpPr/>
-        <p:nvPr/>
-      </p:nvGrpSpPr>
-      <p:grpSpPr>
-        <a:xfrm>
-          <a:off x="0" y="0"/>
-          <a:ext cx="0" cy="0"/>
-          <a:chOff x="0" y="0"/>
-          <a:chExt cx="0" cy="0"/>
-        </a:xfrm>
-      </p:grpSpPr>
-      <p:sp>
-        <p:nvSpPr>
-          <p:cNvPr id="2" name="Title 1"/>
-          <p:cNvSpPr>
-            <a:spLocks noGrp="1"/>
-          </p:cNvSpPr>
-          <p:nvPr>
-            <p:ph type="title" hasCustomPrompt="1"/>
-          </p:nvPr>
-        </p:nvSpPr>
-        <p:spPr>
-          <a:xfrm>
-            <a:off x="978694" y="2109542"/>
-            <a:ext cx="10237787" cy="997196"/>
-          </a:xfrm>
-          <a:prstGeom prst="rect">
-            <a:avLst/>
-          </a:prstGeom>
-        </p:spPr>
-        <p:txBody>
-          <a:bodyPr anchor="b" anchorCtr="0"/>
-          <a:lstStyle>
-            <a:lvl1pPr>
-              <a:defRPr sz="7200" spc="-150" baseline="0"/>
-            </a:lvl1pPr>
-          </a:lstStyle>
-          <a:p>
-            <a:r>
-              <a:rPr lang="en-US" dirty="0" smtClean="0"/>
-              <a:t>Click to edit title style</a:t>
-            </a:r>
-            <a:endParaRPr lang="en-US" dirty="0"/>
-          </a:p>
-        </p:txBody>
-      </p:sp>
-      <p:sp>
-        <p:nvSpPr>
-          <p:cNvPr id="5" name="Text Placeholder 4"/>
-          <p:cNvSpPr>
-            <a:spLocks noGrp="1"/>
-          </p:cNvSpPr>
-          <p:nvPr>
-            <p:ph type="body" sz="quarter" idx="12" hasCustomPrompt="1"/>
-          </p:nvPr>
-        </p:nvSpPr>
-        <p:spPr>
-          <a:xfrm>
-            <a:off x="978694" y="3425825"/>
-            <a:ext cx="10237787" cy="498598"/>
-          </a:xfrm>
-          <a:prstGeom prst="rect">
-            <a:avLst/>
-          </a:prstGeom>
-        </p:spPr>
-        <p:txBody>
-          <a:bodyPr>
-            <a:noAutofit/>
-          </a:bodyPr>
-          <a:lstStyle>
-            <a:lvl1pPr marL="0" indent="0">
-              <a:spcBef>
-                <a:spcPts val="0"/>
-              </a:spcBef>
-              <a:buNone/>
-              <a:defRPr spc="-70" baseline="0">
-                <a:gradFill>
-                  <a:gsLst>
-                    <a:gs pos="0">
-                      <a:schemeClr val="tx1"/>
-                    </a:gs>
-                    <a:gs pos="100000">
-                      <a:schemeClr val="tx1"/>
-                    </a:gs>
-                  </a:gsLst>
-                  <a:lin ang="5400000" scaled="0"/>
-                </a:gradFill>
-                <a:latin typeface="+mj-lt"/>
-              </a:defRPr>
-            </a:lvl1pPr>
-          </a:lstStyle>
-          <a:p>
-            <a:pPr lvl="0"/>
-            <a:r>
-              <a:rPr lang="en-US" dirty="0" smtClean="0"/>
-              <a:t>Subtitle</a:t>
-            </a:r>
-            <a:endParaRPr lang="en-US" dirty="0"/>
-          </a:p>
-        </p:txBody>
-      </p:sp>
-      <p:pic>
-        <p:nvPicPr>
-          <p:cNvPr id="7" name="Picture 6"/>
-          <p:cNvPicPr>
-            <a:picLocks noChangeAspect="1"/>
-          </p:cNvPicPr>
-          <p:nvPr userDrawn="1"/>
-        </p:nvPicPr>
-        <p:blipFill>
-          <a:blip r:embed="rId2">
-            <a:extLst>
-              <a:ext uri="{28A0092B-C50C-407E-A947-70E740481C1C}">
-                <a14:useLocalDpi xmlns:a14="http://schemas.microsoft.com/office/drawing/2010/main" val="0"/>
-              </a:ext>
-            </a:extLst>
-          </a:blip>
-          <a:stretch>
-            <a:fillRect/>
-          </a:stretch>
-        </p:blipFill>
-        <p:spPr>
-          <a:xfrm>
-            <a:off x="10193312" y="6014913"/>
-            <a:ext cx="1738860" cy="815899"/>
-          </a:xfrm>
-          <a:prstGeom prst="rect">
-            <a:avLst/>
-          </a:prstGeom>
-        </p:spPr>
-      </p:pic>
-    </p:spTree>
-    <p:extLst>
-      <p:ext uri="{BB962C8B-B14F-4D97-AF65-F5344CB8AC3E}">
-        <p14:creationId xmlns:p14="http://schemas.microsoft.com/office/powerpoint/2010/main" val="3587076083"/>
-      </p:ext>
-    </p:extLst>
-  </p:cSld>
-  <p:clrMapOvr>
-    <a:masterClrMapping/>
-  </p:clrMapOvr>
-  <mc:AlternateContent xmlns:mc="http://schemas.openxmlformats.org/markup-compatibility/2006" xmlns:p14="http://schemas.microsoft.com/office/powerpoint/2010/main">
-    <mc:Choice Requires="p14">
-      <p:transition spd="slow" p14:dur="3400">
-        <p14:reveal/>
-      </p:transition>
-    </mc:Choice>
-    <mc:Fallback xmlns="">
-      <p:transition spd="slow">
-        <p:fade/>
-      </p:transition>
-    </mc:Fallback>
-  </mc:AlternateContent>
-  <p:timing>
-    <p:tnLst>
-      <p:par>
-        <p:cTn xmlns:p14="http://schemas.microsoft.com/office/powerpoint/2010/main" id="1" dur="indefinite" restart="never" nodeType="tmRoot"/>
-      </p:par>
-    </p:tnLst>
-  </p:timing>
-</p:sldLayout>
-</file>
-
-<file path=ppt/slideLayouts/slideLayout31.xml><?xml version="1.0" encoding="utf-8"?>
 <p:sldLayout xmlns:a="http://schemas.openxmlformats.org/drawingml/2006/main" xmlns:r="http://schemas.openxmlformats.org/officeDocument/2006/relationships" xmlns:p="http://schemas.openxmlformats.org/presentationml/2006/main" preserve="1" userDrawn="1">
   <p:cSld name="Divider Slide Purple">
     <p:bg>
@@ -13260,14 +12561,14 @@
   <p:timing>
     <p:tnLst>
       <p:par>
-        <p:cTn xmlns:p14="http://schemas.microsoft.com/office/powerpoint/2010/main" id="1" dur="indefinite" restart="never" nodeType="tmRoot"/>
+        <p:cTn id="1" dur="indefinite" restart="never" nodeType="tmRoot"/>
       </p:par>
     </p:tnLst>
   </p:timing>
 </p:sldLayout>
 </file>
 
-<file path=ppt/slideLayouts/slideLayout32.xml><?xml version="1.0" encoding="utf-8"?>
+<file path=ppt/slideLayouts/slideLayout31.xml><?xml version="1.0" encoding="utf-8"?>
 <p:sldLayout xmlns:a="http://schemas.openxmlformats.org/drawingml/2006/main" xmlns:r="http://schemas.openxmlformats.org/officeDocument/2006/relationships" xmlns:p="http://schemas.openxmlformats.org/presentationml/2006/main" preserve="1" userDrawn="1">
   <p:cSld name="Punchy Slide Orange">
     <p:bg>
@@ -13379,20 +12680,20 @@
   <p:clrMapOvr>
     <a:masterClrMapping/>
   </p:clrMapOvr>
-  <p:transition xmlns:p14="http://schemas.microsoft.com/office/powerpoint/2010/main">
+  <p:transition>
     <p:fade/>
   </p:transition>
   <p:timing>
     <p:tnLst>
       <p:par>
-        <p:cTn xmlns:p14="http://schemas.microsoft.com/office/powerpoint/2010/main" id="1" dur="indefinite" restart="never" nodeType="tmRoot"/>
+        <p:cTn id="1" dur="indefinite" restart="never" nodeType="tmRoot"/>
       </p:par>
     </p:tnLst>
   </p:timing>
 </p:sldLayout>
 </file>
 
-<file path=ppt/slideLayouts/slideLayout33.xml><?xml version="1.0" encoding="utf-8"?>
+<file path=ppt/slideLayouts/slideLayout32.xml><?xml version="1.0" encoding="utf-8"?>
 <p:sldLayout xmlns:a="http://schemas.openxmlformats.org/drawingml/2006/main" xmlns:r="http://schemas.openxmlformats.org/officeDocument/2006/relationships" xmlns:p="http://schemas.openxmlformats.org/presentationml/2006/main" preserve="1" userDrawn="1">
   <p:cSld name="Punchy Slide Green">
     <p:bg>
@@ -13504,20 +12805,20 @@
   <p:clrMapOvr>
     <a:masterClrMapping/>
   </p:clrMapOvr>
-  <p:transition xmlns:p14="http://schemas.microsoft.com/office/powerpoint/2010/main">
+  <p:transition>
     <p:fade/>
   </p:transition>
   <p:timing>
     <p:tnLst>
       <p:par>
-        <p:cTn xmlns:p14="http://schemas.microsoft.com/office/powerpoint/2010/main" id="1" dur="indefinite" restart="never" nodeType="tmRoot"/>
+        <p:cTn id="1" dur="indefinite" restart="never" nodeType="tmRoot"/>
       </p:par>
     </p:tnLst>
   </p:timing>
 </p:sldLayout>
 </file>
 
-<file path=ppt/slideLayouts/slideLayout34.xml><?xml version="1.0" encoding="utf-8"?>
+<file path=ppt/slideLayouts/slideLayout33.xml><?xml version="1.0" encoding="utf-8"?>
 <p:sldLayout xmlns:a="http://schemas.openxmlformats.org/drawingml/2006/main" xmlns:r="http://schemas.openxmlformats.org/officeDocument/2006/relationships" xmlns:p="http://schemas.openxmlformats.org/presentationml/2006/main" preserve="1" userDrawn="1">
   <p:cSld name="Punchy Slide Blue">
     <p:bg>
@@ -13629,20 +12930,20 @@
   <p:clrMapOvr>
     <a:masterClrMapping/>
   </p:clrMapOvr>
-  <p:transition xmlns:p14="http://schemas.microsoft.com/office/powerpoint/2010/main">
+  <p:transition>
     <p:fade/>
   </p:transition>
   <p:timing>
     <p:tnLst>
       <p:par>
-        <p:cTn xmlns:p14="http://schemas.microsoft.com/office/powerpoint/2010/main" id="1" dur="indefinite" restart="never" nodeType="tmRoot"/>
+        <p:cTn id="1" dur="indefinite" restart="never" nodeType="tmRoot"/>
       </p:par>
     </p:tnLst>
   </p:timing>
 </p:sldLayout>
 </file>
 
-<file path=ppt/slideLayouts/slideLayout35.xml><?xml version="1.0" encoding="utf-8"?>
+<file path=ppt/slideLayouts/slideLayout34.xml><?xml version="1.0" encoding="utf-8"?>
 <p:sldLayout xmlns:a="http://schemas.openxmlformats.org/drawingml/2006/main" xmlns:r="http://schemas.openxmlformats.org/officeDocument/2006/relationships" xmlns:p="http://schemas.openxmlformats.org/presentationml/2006/main" preserve="1" userDrawn="1">
   <p:cSld name="Punchy Slide Purple">
     <p:bg>
@@ -13754,20 +13055,20 @@
   <p:clrMapOvr>
     <a:masterClrMapping/>
   </p:clrMapOvr>
-  <p:transition xmlns:p14="http://schemas.microsoft.com/office/powerpoint/2010/main">
+  <p:transition>
     <p:fade/>
   </p:transition>
   <p:timing>
     <p:tnLst>
       <p:par>
-        <p:cTn xmlns:p14="http://schemas.microsoft.com/office/powerpoint/2010/main" id="1" dur="indefinite" restart="never" nodeType="tmRoot"/>
+        <p:cTn id="1" dur="indefinite" restart="never" nodeType="tmRoot"/>
       </p:par>
     </p:tnLst>
   </p:timing>
 </p:sldLayout>
 </file>
 
-<file path=ppt/slideLayouts/slideLayout36.xml><?xml version="1.0" encoding="utf-8"?>
+<file path=ppt/slideLayouts/slideLayout35.xml><?xml version="1.0" encoding="utf-8"?>
 <p:sldLayout xmlns:a="http://schemas.openxmlformats.org/drawingml/2006/main" xmlns:r="http://schemas.openxmlformats.org/officeDocument/2006/relationships" xmlns:p="http://schemas.openxmlformats.org/presentationml/2006/main" preserve="1" userDrawn="1">
   <p:cSld name="Blank Slide Orange">
     <p:bg>
@@ -13802,13 +13103,13 @@
   <p:clrMapOvr>
     <a:masterClrMapping/>
   </p:clrMapOvr>
-  <p:transition xmlns:p14="http://schemas.microsoft.com/office/powerpoint/2010/main">
+  <p:transition>
     <p:fade/>
   </p:transition>
 </p:sldLayout>
 </file>
 
-<file path=ppt/slideLayouts/slideLayout37.xml><?xml version="1.0" encoding="utf-8"?>
+<file path=ppt/slideLayouts/slideLayout36.xml><?xml version="1.0" encoding="utf-8"?>
 <p:sldLayout xmlns:a="http://schemas.openxmlformats.org/drawingml/2006/main" xmlns:r="http://schemas.openxmlformats.org/officeDocument/2006/relationships" xmlns:p="http://schemas.openxmlformats.org/presentationml/2006/main" preserve="1" userDrawn="1">
   <p:cSld name="Blank Slide Green">
     <p:bg>
@@ -13843,13 +13144,13 @@
   <p:clrMapOvr>
     <a:masterClrMapping/>
   </p:clrMapOvr>
-  <p:transition xmlns:p14="http://schemas.microsoft.com/office/powerpoint/2010/main">
+  <p:transition>
     <p:fade/>
   </p:transition>
 </p:sldLayout>
 </file>
 
-<file path=ppt/slideLayouts/slideLayout38.xml><?xml version="1.0" encoding="utf-8"?>
+<file path=ppt/slideLayouts/slideLayout37.xml><?xml version="1.0" encoding="utf-8"?>
 <p:sldLayout xmlns:a="http://schemas.openxmlformats.org/drawingml/2006/main" xmlns:r="http://schemas.openxmlformats.org/officeDocument/2006/relationships" xmlns:p="http://schemas.openxmlformats.org/presentationml/2006/main" preserve="1" userDrawn="1">
   <p:cSld name="Blank Slide Blue">
     <p:bg>
@@ -13884,13 +13185,13 @@
   <p:clrMapOvr>
     <a:masterClrMapping/>
   </p:clrMapOvr>
-  <p:transition xmlns:p14="http://schemas.microsoft.com/office/powerpoint/2010/main">
+  <p:transition>
     <p:fade/>
   </p:transition>
 </p:sldLayout>
 </file>
 
-<file path=ppt/slideLayouts/slideLayout39.xml><?xml version="1.0" encoding="utf-8"?>
+<file path=ppt/slideLayouts/slideLayout38.xml><?xml version="1.0" encoding="utf-8"?>
 <p:sldLayout xmlns:a="http://schemas.openxmlformats.org/drawingml/2006/main" xmlns:r="http://schemas.openxmlformats.org/officeDocument/2006/relationships" xmlns:p="http://schemas.openxmlformats.org/presentationml/2006/main" preserve="1" userDrawn="1">
   <p:cSld name="Blank Slide Purple">
     <p:bg>
@@ -13925,7 +13226,7 @@
   <p:clrMapOvr>
     <a:masterClrMapping/>
   </p:clrMapOvr>
-  <p:transition xmlns:p14="http://schemas.microsoft.com/office/powerpoint/2010/main">
+  <p:transition>
     <p:fade/>
   </p:transition>
 </p:sldLayout>
@@ -14220,13 +13521,13 @@
   <p:clrMapOvr>
     <a:masterClrMapping/>
   </p:clrMapOvr>
-  <p:transition xmlns:p14="http://schemas.microsoft.com/office/powerpoint/2010/main">
+  <p:transition>
     <p:fade/>
   </p:transition>
   <p:timing>
     <p:tnLst>
       <p:par>
-        <p:cTn xmlns:p14="http://schemas.microsoft.com/office/powerpoint/2010/main" id="1" dur="indefinite" restart="never" nodeType="tmRoot"/>
+        <p:cTn id="1" dur="indefinite" restart="never" nodeType="tmRoot"/>
       </p:par>
     </p:tnLst>
   </p:timing>
@@ -14522,13 +13823,13 @@
   <p:clrMapOvr>
     <a:masterClrMapping/>
   </p:clrMapOvr>
-  <p:transition xmlns:p14="http://schemas.microsoft.com/office/powerpoint/2010/main">
+  <p:transition>
     <p:fade/>
   </p:transition>
   <p:timing>
     <p:tnLst>
       <p:par>
-        <p:cTn xmlns:p14="http://schemas.microsoft.com/office/powerpoint/2010/main" id="1" dur="indefinite" restart="never" nodeType="tmRoot"/>
+        <p:cTn id="1" dur="indefinite" restart="never" nodeType="tmRoot"/>
       </p:par>
     </p:tnLst>
   </p:timing>
@@ -14780,13 +14081,13 @@
   <p:clrMapOvr>
     <a:masterClrMapping/>
   </p:clrMapOvr>
-  <p:transition xmlns:p14="http://schemas.microsoft.com/office/powerpoint/2010/main">
+  <p:transition>
     <p:fade/>
   </p:transition>
   <p:timing>
     <p:tnLst>
       <p:par>
-        <p:cTn xmlns:p14="http://schemas.microsoft.com/office/powerpoint/2010/main" id="1" dur="indefinite" restart="never" nodeType="tmRoot"/>
+        <p:cTn id="1" dur="indefinite" restart="never" nodeType="tmRoot"/>
       </p:par>
     </p:tnLst>
   </p:timing>
@@ -15314,13 +14615,13 @@
   <p:clrMapOvr>
     <a:masterClrMapping/>
   </p:clrMapOvr>
-  <p:transition xmlns:p14="http://schemas.microsoft.com/office/powerpoint/2010/main">
+  <p:transition>
     <p:fade/>
   </p:transition>
   <p:timing>
     <p:tnLst>
       <p:par>
-        <p:cTn xmlns:p14="http://schemas.microsoft.com/office/powerpoint/2010/main" id="1" dur="indefinite" restart="never" nodeType="tmRoot"/>
+        <p:cTn id="1" dur="indefinite" restart="never" nodeType="tmRoot"/>
       </p:par>
     </p:tnLst>
   </p:timing>
@@ -15896,7 +15197,7 @@
   <p:clrMapOvr>
     <a:masterClrMapping/>
   </p:clrMapOvr>
-  <p:transition xmlns:p14="http://schemas.microsoft.com/office/powerpoint/2010/main">
+  <p:transition>
     <p:fade/>
   </p:transition>
 </p:sldLayout>
@@ -16390,7 +15691,7 @@
   <p:clrMapOvr>
     <a:masterClrMapping/>
   </p:clrMapOvr>
-  <p:transition xmlns:p14="http://schemas.microsoft.com/office/powerpoint/2010/main">
+  <p:transition>
     <p:fade/>
   </p:transition>
 </p:sldLayout>
@@ -16544,19 +15845,18 @@
     <p:sldLayoutId id="2147484096" r:id="rId20"/>
     <p:sldLayoutId id="2147484144" r:id="rId21"/>
     <p:sldLayoutId id="2147484145" r:id="rId22"/>
-    <p:sldLayoutId id="2147484146" r:id="rId23"/>
-    <p:sldLayoutId id="2147484147" r:id="rId24"/>
-    <p:sldLayoutId id="2147484148" r:id="rId25"/>
-    <p:sldLayoutId id="2147484149" r:id="rId26"/>
-    <p:sldLayoutId id="2147484150" r:id="rId27"/>
+    <p:sldLayoutId id="2147484147" r:id="rId23"/>
+    <p:sldLayoutId id="2147484148" r:id="rId24"/>
+    <p:sldLayoutId id="2147484149" r:id="rId25"/>
+    <p:sldLayoutId id="2147484150" r:id="rId26"/>
   </p:sldLayoutIdLst>
-  <p:transition xmlns:p14="http://schemas.microsoft.com/office/powerpoint/2010/main">
+  <p:transition>
     <p:fade/>
   </p:transition>
   <p:timing>
     <p:tnLst>
       <p:par>
-        <p:cTn xmlns:p14="http://schemas.microsoft.com/office/powerpoint/2010/main" id="1" dur="indefinite" restart="never" nodeType="tmRoot"/>
+        <p:cTn id="1" dur="indefinite" restart="never" nodeType="tmRoot"/>
       </p:par>
     </p:tnLst>
   </p:timing>
@@ -16962,13 +16262,13 @@
     <p:sldLayoutId id="2147484066" r:id="rId11"/>
     <p:sldLayoutId id="2147484098" r:id="rId12"/>
   </p:sldLayoutIdLst>
-  <p:transition xmlns:p14="http://schemas.microsoft.com/office/powerpoint/2010/main">
+  <p:transition>
     <p:fade/>
   </p:transition>
   <p:timing>
     <p:tnLst>
       <p:par>
-        <p:cTn xmlns:p14="http://schemas.microsoft.com/office/powerpoint/2010/main" id="1" dur="indefinite" restart="never" nodeType="tmRoot"/>
+        <p:cTn id="1" dur="indefinite" restart="never" nodeType="tmRoot"/>
       </p:par>
     </p:tnLst>
   </p:timing>
@@ -17389,10 +16689,6 @@
           <a:bodyPr/>
           <a:lstStyle/>
           <a:p>
-            <a:r>
-              <a:rPr lang="en-US" dirty="0" smtClean="0"/>
-              <a:t>September 2014</a:t>
-            </a:r>
             <a:endParaRPr lang="en-US" dirty="0"/>
           </a:p>
         </p:txBody>
@@ -17422,7 +16718,7 @@
   <p:timing>
     <p:tnLst>
       <p:par>
-        <p:cTn xmlns:p14="http://schemas.microsoft.com/office/powerpoint/2010/main" id="1" dur="indefinite" restart="never" nodeType="tmRoot"/>
+        <p:cTn id="1" dur="indefinite" restart="never" nodeType="tmRoot"/>
       </p:par>
     </p:tnLst>
   </p:timing>
@@ -17503,13 +16799,13 @@
   <p:clrMapOvr>
     <a:masterClrMapping/>
   </p:clrMapOvr>
-  <p:transition xmlns:p14="http://schemas.microsoft.com/office/powerpoint/2010/main">
+  <p:transition>
     <p:fade/>
   </p:transition>
   <p:timing>
     <p:tnLst>
       <p:par>
-        <p:cTn xmlns:p14="http://schemas.microsoft.com/office/powerpoint/2010/main" id="1" dur="indefinite" restart="never" nodeType="tmRoot"/>
+        <p:cTn id="1" dur="indefinite" restart="never" nodeType="tmRoot"/>
       </p:par>
     </p:tnLst>
   </p:timing>
@@ -17638,7 +16934,7 @@
   <p:clrMapOvr>
     <a:masterClrMapping/>
   </p:clrMapOvr>
-  <p:transition xmlns:p14="http://schemas.microsoft.com/office/powerpoint/2010/main">
+  <p:transition>
     <p:fade/>
   </p:transition>
 </p:sld>
@@ -17796,7 +17092,7 @@
   <p:clrMapOvr>
     <a:masterClrMapping/>
   </p:clrMapOvr>
-  <p:transition xmlns:p14="http://schemas.microsoft.com/office/powerpoint/2010/main">
+  <p:transition>
     <p:fade/>
   </p:transition>
 </p:sld>
@@ -17959,7 +17255,7 @@
   <p:clrMapOvr>
     <a:masterClrMapping/>
   </p:clrMapOvr>
-  <p:transition xmlns:p14="http://schemas.microsoft.com/office/powerpoint/2010/main">
+  <p:transition>
     <p:fade/>
   </p:transition>
 </p:sld>
@@ -18249,7 +17545,7 @@
   <p:clrMapOvr>
     <a:masterClrMapping/>
   </p:clrMapOvr>
-  <p:transition xmlns:p14="http://schemas.microsoft.com/office/powerpoint/2010/main">
+  <p:transition>
     <p:fade/>
   </p:transition>
 </p:sld>
@@ -18380,7 +17676,7 @@
   <p:clrMapOvr>
     <a:masterClrMapping/>
   </p:clrMapOvr>
-  <p:transition xmlns:p14="http://schemas.microsoft.com/office/powerpoint/2010/main">
+  <p:transition>
     <p:fade/>
   </p:transition>
 </p:sld>
@@ -18866,7 +18162,7 @@
   <p:clrMapOvr>
     <a:masterClrMapping/>
   </p:clrMapOvr>
-  <p:transition xmlns:p14="http://schemas.microsoft.com/office/powerpoint/2010/main">
+  <p:transition>
     <p:fade/>
   </p:transition>
 </p:sld>
@@ -19431,7 +18727,7 @@
   <p:clrMapOvr>
     <a:masterClrMapping/>
   </p:clrMapOvr>
-  <p:transition xmlns:p14="http://schemas.microsoft.com/office/powerpoint/2010/main">
+  <p:transition>
     <p:fade/>
   </p:transition>
 </p:sld>
@@ -20015,7 +19311,7 @@
   <p:clrMapOvr>
     <a:masterClrMapping/>
   </p:clrMapOvr>
-  <p:transition xmlns:p14="http://schemas.microsoft.com/office/powerpoint/2010/main">
+  <p:transition>
     <p:fade/>
   </p:transition>
 </p:sld>
@@ -20580,7 +19876,7 @@
   <p:clrMapOvr>
     <a:masterClrMapping/>
   </p:clrMapOvr>
-  <p:transition xmlns:p14="http://schemas.microsoft.com/office/powerpoint/2010/main">
+  <p:transition>
     <p:fade/>
   </p:transition>
 </p:sld>
@@ -20763,15 +20059,7 @@
                       </a:pPr>
                       <a:r>
                         <a:rPr lang="en-US" sz="2400" dirty="0" smtClean="0"/>
-                        <a:t>Module 3: </a:t>
-                      </a:r>
-                      <a:r>
-                        <a:rPr lang="en-US" sz="2400" dirty="0" smtClean="0"/>
-                        <a:t>Hook </a:t>
-                      </a:r>
-                      <a:r>
-                        <a:rPr lang="en-US" sz="2400" dirty="0" smtClean="0"/>
-                        <a:t>into Apps for SharePoint</a:t>
+                        <a:t>Module 3: Hook into Apps for SharePoint</a:t>
                       </a:r>
                     </a:p>
                   </a:txBody>
@@ -20812,11 +20100,7 @@
                       </a:r>
                       <a:r>
                         <a:rPr lang="en-US" sz="2400" dirty="0" smtClean="0"/>
-                        <a:t>Hook </a:t>
-                      </a:r>
-                      <a:r>
-                        <a:rPr lang="en-US" sz="2400" dirty="0" smtClean="0"/>
-                        <a:t>into Office 365 and SharePoint APIs with SPAs</a:t>
+                        <a:t>Hook into Office 365 and SharePoint APIs with SPAs</a:t>
                       </a:r>
                     </a:p>
                   </a:txBody>
@@ -20848,15 +20132,7 @@
                       </a:pPr>
                       <a:r>
                         <a:rPr lang="en-US" sz="2400" b="0" dirty="0" smtClean="0"/>
-                        <a:t>Module 5: </a:t>
-                      </a:r>
-                      <a:r>
-                        <a:rPr lang="en-US" sz="2400" b="0" dirty="0" smtClean="0"/>
-                        <a:t>Hook </a:t>
-                      </a:r>
-                      <a:r>
-                        <a:rPr lang="en-US" sz="2400" b="0" dirty="0" smtClean="0"/>
-                        <a:t>into Apps for Office</a:t>
+                        <a:t>Module 5: Hook into Apps for Office</a:t>
                       </a:r>
                     </a:p>
                   </a:txBody>
@@ -20877,13 +20153,13 @@
   <p:clrMapOvr>
     <a:masterClrMapping/>
   </p:clrMapOvr>
-  <p:transition xmlns:p14="http://schemas.microsoft.com/office/powerpoint/2010/main">
+  <p:transition>
     <p:fade/>
   </p:transition>
   <p:timing>
     <p:tnLst>
       <p:par>
-        <p:cTn xmlns:p14="http://schemas.microsoft.com/office/powerpoint/2010/main" id="1" dur="indefinite" restart="never" nodeType="tmRoot"/>
+        <p:cTn id="1" dur="indefinite" restart="never" nodeType="tmRoot"/>
       </p:par>
     </p:tnLst>
   </p:timing>
@@ -21521,7 +20797,7 @@
   <p:clrMapOvr>
     <a:masterClrMapping/>
   </p:clrMapOvr>
-  <p:transition xmlns:p14="http://schemas.microsoft.com/office/powerpoint/2010/main">
+  <p:transition>
     <p:fade/>
   </p:transition>
 </p:sld>
@@ -22068,7 +21344,7 @@
   <p:clrMapOvr>
     <a:masterClrMapping/>
   </p:clrMapOvr>
-  <p:transition xmlns:p14="http://schemas.microsoft.com/office/powerpoint/2010/main">
+  <p:transition>
     <p:fade/>
   </p:transition>
 </p:sld>
@@ -22668,7 +21944,7 @@
   <p:clrMapOvr>
     <a:masterClrMapping/>
   </p:clrMapOvr>
-  <p:transition xmlns:p14="http://schemas.microsoft.com/office/powerpoint/2010/main">
+  <p:transition>
     <p:fade/>
   </p:transition>
 </p:sld>
@@ -23233,7 +22509,7 @@
   <p:clrMapOvr>
     <a:masterClrMapping/>
   </p:clrMapOvr>
-  <p:transition xmlns:p14="http://schemas.microsoft.com/office/powerpoint/2010/main">
+  <p:transition>
     <p:fade/>
   </p:transition>
 </p:sld>
@@ -23818,7 +23094,7 @@
   <p:clrMapOvr>
     <a:masterClrMapping/>
   </p:clrMapOvr>
-  <p:transition xmlns:p14="http://schemas.microsoft.com/office/powerpoint/2010/main">
+  <p:transition>
     <p:fade/>
   </p:transition>
 </p:sld>
@@ -24382,7 +23658,7 @@
   <p:clrMapOvr>
     <a:masterClrMapping/>
   </p:clrMapOvr>
-  <p:transition xmlns:p14="http://schemas.microsoft.com/office/powerpoint/2010/main">
+  <p:transition>
     <p:fade/>
   </p:transition>
 </p:sld>
@@ -24534,13 +23810,13 @@
   <p:clrMapOvr>
     <a:masterClrMapping/>
   </p:clrMapOvr>
-  <p:transition xmlns:p14="http://schemas.microsoft.com/office/powerpoint/2010/main">
+  <p:transition>
     <p:fade/>
   </p:transition>
   <p:timing>
     <p:tnLst>
       <p:par>
-        <p:cTn xmlns:p14="http://schemas.microsoft.com/office/powerpoint/2010/main" id="1" dur="indefinite" restart="never" nodeType="tmRoot"/>
+        <p:cTn id="1" dur="indefinite" restart="never" nodeType="tmRoot"/>
       </p:par>
     </p:tnLst>
   </p:timing>
@@ -24857,7 +24133,7 @@
   <p:timing>
     <p:tnLst>
       <p:par>
-        <p:cTn xmlns:p14="http://schemas.microsoft.com/office/powerpoint/2010/main" id="1" dur="indefinite" restart="never" nodeType="tmRoot"/>
+        <p:cTn id="1" dur="indefinite" restart="never" nodeType="tmRoot"/>
       </p:par>
     </p:tnLst>
   </p:timing>
@@ -24949,7 +24225,7 @@
   <p:timing>
     <p:tnLst>
       <p:par>
-        <p:cTn xmlns:p14="http://schemas.microsoft.com/office/powerpoint/2010/main" id="1" dur="indefinite" restart="never" nodeType="tmRoot"/>
+        <p:cTn id="1" dur="indefinite" restart="never" nodeType="tmRoot"/>
       </p:par>
     </p:tnLst>
   </p:timing>
@@ -25042,13 +24318,13 @@
   <p:clrMapOvr>
     <a:masterClrMapping/>
   </p:clrMapOvr>
-  <p:transition xmlns:p14="http://schemas.microsoft.com/office/powerpoint/2010/main">
+  <p:transition>
     <p:fade/>
   </p:transition>
   <p:timing>
     <p:tnLst>
       <p:par>
-        <p:cTn xmlns:p14="http://schemas.microsoft.com/office/powerpoint/2010/main" id="1" dur="indefinite" restart="never" nodeType="tmRoot"/>
+        <p:cTn id="1" dur="indefinite" restart="never" nodeType="tmRoot"/>
       </p:par>
     </p:tnLst>
   </p:timing>
@@ -25265,13 +24541,13 @@
   <p:clrMapOvr>
     <a:masterClrMapping/>
   </p:clrMapOvr>
-  <p:transition xmlns:p14="http://schemas.microsoft.com/office/powerpoint/2010/main">
+  <p:transition>
     <p:fade/>
   </p:transition>
   <p:timing>
     <p:tnLst>
       <p:par>
-        <p:cTn xmlns:p14="http://schemas.microsoft.com/office/powerpoint/2010/main" id="1" dur="indefinite" restart="never" nodeType="tmRoot"/>
+        <p:cTn id="1" dur="indefinite" restart="never" nodeType="tmRoot"/>
       </p:par>
     </p:tnLst>
   </p:timing>
@@ -25464,13 +24740,13 @@
   <p:clrMapOvr>
     <a:masterClrMapping/>
   </p:clrMapOvr>
-  <p:transition xmlns:p14="http://schemas.microsoft.com/office/powerpoint/2010/main">
+  <p:transition>
     <p:fade/>
   </p:transition>
   <p:timing>
     <p:tnLst>
       <p:par>
-        <p:cTn xmlns:p14="http://schemas.microsoft.com/office/powerpoint/2010/main" id="1" dur="indefinite" restart="never" nodeType="tmRoot"/>
+        <p:cTn id="1" dur="indefinite" restart="never" nodeType="tmRoot"/>
       </p:par>
     </p:tnLst>
   </p:timing>
@@ -25648,13 +24924,13 @@
   <p:clrMapOvr>
     <a:masterClrMapping/>
   </p:clrMapOvr>
-  <p:transition xmlns:p14="http://schemas.microsoft.com/office/powerpoint/2010/main">
+  <p:transition>
     <p:fade/>
   </p:transition>
   <p:timing>
     <p:tnLst>
       <p:par>
-        <p:cTn xmlns:p14="http://schemas.microsoft.com/office/powerpoint/2010/main" id="1" dur="indefinite" restart="never" nodeType="tmRoot"/>
+        <p:cTn id="1" dur="indefinite" restart="never" nodeType="tmRoot"/>
       </p:par>
     </p:tnLst>
   </p:timing>
@@ -25765,13 +25041,13 @@
   <p:clrMapOvr>
     <a:masterClrMapping/>
   </p:clrMapOvr>
-  <p:transition xmlns:p14="http://schemas.microsoft.com/office/powerpoint/2010/main">
+  <p:transition>
     <p:fade/>
   </p:transition>
   <p:timing>
     <p:tnLst>
       <p:par>
-        <p:cTn xmlns:p14="http://schemas.microsoft.com/office/powerpoint/2010/main" id="1" dur="indefinite" restart="never" nodeType="tmRoot"/>
+        <p:cTn id="1" dur="indefinite" restart="never" nodeType="tmRoot"/>
       </p:par>
     </p:tnLst>
   </p:timing>
@@ -25882,13 +25158,13 @@
   <p:clrMapOvr>
     <a:masterClrMapping/>
   </p:clrMapOvr>
-  <p:transition xmlns:p14="http://schemas.microsoft.com/office/powerpoint/2010/main">
+  <p:transition>
     <p:fade/>
   </p:transition>
   <p:timing>
     <p:tnLst>
       <p:par>
-        <p:cTn xmlns:p14="http://schemas.microsoft.com/office/powerpoint/2010/main" id="1" dur="indefinite" restart="never" nodeType="tmRoot"/>
+        <p:cTn id="1" dur="indefinite" restart="never" nodeType="tmRoot"/>
       </p:par>
     </p:tnLst>
   </p:timing>
@@ -25914,11 +25190,34 @@
       </p:grpSpPr>
       <p:sp>
         <p:nvSpPr>
-          <p:cNvPr id="4" name="Subtitle 3"/>
+          <p:cNvPr id="4" name="Title 3"/>
           <p:cNvSpPr>
             <a:spLocks noGrp="1"/>
           </p:cNvSpPr>
           <p:nvPr>
+            <p:ph type="ctrTitle"/>
+          </p:nvPr>
+        </p:nvSpPr>
+        <p:spPr/>
+        <p:txBody>
+          <a:bodyPr/>
+          <a:lstStyle/>
+          <a:p>
+            <a:r>
+              <a:rPr lang="en-US" dirty="0" smtClean="0"/>
+              <a:t>Programming Cross-Domain Library</a:t>
+            </a:r>
+            <a:endParaRPr lang="en-US" dirty="0"/>
+          </a:p>
+        </p:txBody>
+      </p:sp>
+      <p:sp>
+        <p:nvSpPr>
+          <p:cNvPr id="9" name="Subtitle 4"/>
+          <p:cNvSpPr>
+            <a:spLocks noGrp="1"/>
+          </p:cNvSpPr>
+          <p:nvPr>
             <p:ph type="subTitle" idx="1"/>
           </p:nvPr>
         </p:nvSpPr>
@@ -25927,40 +25226,7 @@
           <a:bodyPr/>
           <a:lstStyle/>
           <a:p>
-            <a:r>
-              <a:rPr lang="en-US" dirty="0" smtClean="0"/>
-              <a:t>Programming </a:t>
-            </a:r>
-            <a:r>
-              <a:rPr lang="en-US" smtClean="0"/>
-              <a:t>OAuth</a:t>
-            </a:r>
-            <a:endParaRPr lang="en-US" dirty="0"/>
-          </a:p>
-        </p:txBody>
-      </p:sp>
-      <p:sp>
-        <p:nvSpPr>
-          <p:cNvPr id="2" name="Text Placeholder 1"/>
-          <p:cNvSpPr>
-            <a:spLocks noGrp="1"/>
-          </p:cNvSpPr>
-          <p:nvPr>
-            <p:ph type="body" sz="quarter" idx="10"/>
-          </p:nvPr>
-        </p:nvSpPr>
-        <p:spPr/>
-        <p:txBody>
-          <a:bodyPr/>
-          <a:lstStyle/>
-          <a:p>
-            <a:pPr marL="0" indent="0">
-              <a:buNone/>
-            </a:pPr>
-            <a:r>
-              <a:rPr lang="en-US" dirty="0" smtClean="0"/>
-              <a:t>demo</a:t>
-            </a:r>
+            <a:pPr lvl="0"/>
             <a:endParaRPr lang="en-US" dirty="0"/>
           </a:p>
         </p:txBody>
@@ -25968,20 +25234,20 @@
     </p:spTree>
     <p:extLst>
       <p:ext uri="{BB962C8B-B14F-4D97-AF65-F5344CB8AC3E}">
-        <p14:creationId xmlns:p14="http://schemas.microsoft.com/office/powerpoint/2010/main" val="3536787970"/>
+        <p14:creationId xmlns:p14="http://schemas.microsoft.com/office/powerpoint/2010/main" val="4022113090"/>
       </p:ext>
     </p:extLst>
   </p:cSld>
   <p:clrMapOvr>
     <a:masterClrMapping/>
   </p:clrMapOvr>
-  <p:transition xmlns:p14="http://schemas.microsoft.com/office/powerpoint/2010/main">
+  <p:transition>
     <p:fade/>
   </p:transition>
   <p:timing>
     <p:tnLst>
       <p:par>
-        <p:cTn xmlns:p14="http://schemas.microsoft.com/office/powerpoint/2010/main" id="1" dur="indefinite" restart="never" nodeType="tmRoot"/>
+        <p:cTn id="1" dur="indefinite" restart="never" nodeType="tmRoot"/>
       </p:par>
     </p:tnLst>
   </p:timing>
@@ -26007,12 +25273,53 @@
       </p:grpSpPr>
       <p:sp>
         <p:nvSpPr>
-          <p:cNvPr id="4" name="Title 3"/>
+          <p:cNvPr id="2" name="Text Placeholder 1"/>
           <p:cNvSpPr>
             <a:spLocks noGrp="1"/>
           </p:cNvSpPr>
           <p:nvPr>
-            <p:ph type="ctrTitle"/>
+            <p:ph type="body" sz="quarter" idx="10"/>
+          </p:nvPr>
+        </p:nvSpPr>
+        <p:spPr>
+          <a:xfrm>
+            <a:off x="519112" y="1447799"/>
+            <a:ext cx="11149013" cy="4741986"/>
+          </a:xfrm>
+        </p:spPr>
+        <p:txBody>
+          <a:bodyPr/>
+          <a:lstStyle/>
+          <a:p>
+            <a:r>
+              <a:rPr lang="en-US" dirty="0" smtClean="0"/>
+              <a:t>Same-domain policy prevents JavaScript from making direct calls to either the app web or host web from the remote web</a:t>
+            </a:r>
+          </a:p>
+          <a:p>
+            <a:r>
+              <a:rPr lang="en-US" dirty="0" smtClean="0"/>
+              <a:t>Required to make JavaScript calls to both the </a:t>
+            </a:r>
+            <a:br>
+              <a:rPr lang="en-US" dirty="0" smtClean="0"/>
+            </a:br>
+            <a:r>
+              <a:rPr lang="en-US" dirty="0" smtClean="0"/>
+              <a:t>app web and host web</a:t>
+            </a:r>
+            <a:endParaRPr lang="en-US" dirty="0"/>
+          </a:p>
+        </p:txBody>
+      </p:sp>
+      <p:sp>
+        <p:nvSpPr>
+          <p:cNvPr id="3" name="Title 2"/>
+          <p:cNvSpPr>
+            <a:spLocks noGrp="1"/>
+          </p:cNvSpPr>
+          <p:nvPr>
+            <p:ph type="title"/>
           </p:nvPr>
         </p:nvSpPr>
         <p:spPr/>
@@ -26022,7 +25329,7 @@
           <a:p>
             <a:r>
               <a:rPr lang="en-US" dirty="0" smtClean="0"/>
-              <a:t>Programming Cross-Domain Library</a:t>
+              <a:t>Cross Domain Library</a:t>
             </a:r>
             <a:endParaRPr lang="en-US" dirty="0"/>
           </a:p>
@@ -26030,12 +25337,12 @@
       </p:sp>
       <p:sp>
         <p:nvSpPr>
-          <p:cNvPr id="9" name="Subtitle 4"/>
+          <p:cNvPr id="4" name="Slide Number Placeholder 3"/>
           <p:cNvSpPr>
             <a:spLocks noGrp="1"/>
           </p:cNvSpPr>
           <p:nvPr>
-            <p:ph type="subTitle" idx="1"/>
+            <p:ph type="sldNum" sz="quarter" idx="12"/>
           </p:nvPr>
         </p:nvSpPr>
         <p:spPr/>
@@ -26043,7 +25350,11 @@
           <a:bodyPr/>
           <a:lstStyle/>
           <a:p>
-            <a:pPr lvl="0"/>
+            <a:fld id="{727B4C2D-45E2-4621-8491-2995EB46A674}" type="slidenum">
+              <a:rPr lang="en-US" smtClean="0"/>
+              <a:pPr/>
+              <a:t>36</a:t>
+            </a:fld>
             <a:endParaRPr lang="en-US" dirty="0"/>
           </a:p>
         </p:txBody>
@@ -26051,20 +25362,20 @@
     </p:spTree>
     <p:extLst>
       <p:ext uri="{BB962C8B-B14F-4D97-AF65-F5344CB8AC3E}">
-        <p14:creationId xmlns:p14="http://schemas.microsoft.com/office/powerpoint/2010/main" val="4022113090"/>
+        <p14:creationId xmlns:p14="http://schemas.microsoft.com/office/powerpoint/2010/main" val="3156014083"/>
       </p:ext>
     </p:extLst>
   </p:cSld>
   <p:clrMapOvr>
     <a:masterClrMapping/>
   </p:clrMapOvr>
-  <p:transition xmlns:p14="http://schemas.microsoft.com/office/powerpoint/2010/main">
+  <p:transition>
     <p:fade/>
   </p:transition>
   <p:timing>
     <p:tnLst>
       <p:par>
-        <p:cTn xmlns:p14="http://schemas.microsoft.com/office/powerpoint/2010/main" id="1" dur="indefinite" restart="never" nodeType="tmRoot"/>
+        <p:cTn id="1" dur="indefinite" restart="never" nodeType="tmRoot"/>
       </p:par>
     </p:tnLst>
   </p:timing>
@@ -26101,7 +25412,7 @@
         <p:spPr>
           <a:xfrm>
             <a:off x="519112" y="1447799"/>
-            <a:ext cx="11149013" cy="4741986"/>
+            <a:ext cx="11149013" cy="2501204"/>
           </a:xfrm>
         </p:spPr>
         <p:txBody>
@@ -26110,43 +25421,42 @@
           <a:p>
             <a:r>
               <a:rPr lang="en-US" dirty="0" smtClean="0"/>
-              <a:t>Same-domain policy prevents JavaScript from making direct calls to either the app web or host web from the remote web</a:t>
+              <a:t>SP.RequestExecutor.js located in LAYOUTS directory</a:t>
             </a:r>
           </a:p>
           <a:p>
             <a:r>
               <a:rPr lang="en-US" dirty="0" smtClean="0"/>
-              <a:t>Required to make JavaScript calls to both the </a:t>
-            </a:r>
-            <a:br>
+              <a:t>Option 1: Copy and include directly in your app</a:t>
+            </a:r>
+          </a:p>
+          <a:p>
+            <a:r>
               <a:rPr lang="en-US" dirty="0" smtClean="0"/>
-            </a:br>
+              <a:t>Option 2: Load Dynamically using jQuery</a:t>
+            </a:r>
+            <a:endParaRPr lang="en-US" dirty="0"/>
+          </a:p>
+        </p:txBody>
+      </p:sp>
+      <p:sp>
+        <p:nvSpPr>
+          <p:cNvPr id="3" name="Title 2"/>
+          <p:cNvSpPr>
+            <a:spLocks noGrp="1"/>
+          </p:cNvSpPr>
+          <p:nvPr>
+            <p:ph type="title"/>
+          </p:nvPr>
+        </p:nvSpPr>
+        <p:spPr/>
+        <p:txBody>
+          <a:bodyPr/>
+          <a:lstStyle/>
+          <a:p>
             <a:r>
               <a:rPr lang="en-US" dirty="0" smtClean="0"/>
-              <a:t>app web and host web</a:t>
-            </a:r>
-            <a:endParaRPr lang="en-US" dirty="0"/>
-          </a:p>
-        </p:txBody>
-      </p:sp>
-      <p:sp>
-        <p:nvSpPr>
-          <p:cNvPr id="3" name="Title 2"/>
-          <p:cNvSpPr>
-            <a:spLocks noGrp="1"/>
-          </p:cNvSpPr>
-          <p:nvPr>
-            <p:ph type="title"/>
-          </p:nvPr>
-        </p:nvSpPr>
-        <p:spPr/>
-        <p:txBody>
-          <a:bodyPr/>
-          <a:lstStyle/>
-          <a:p>
-            <a:r>
-              <a:rPr lang="en-US" dirty="0" smtClean="0"/>
-              <a:t>Cross Domain Library</a:t>
+              <a:t>Loading the Cross-Domain Library</a:t>
             </a:r>
             <a:endParaRPr lang="en-US" dirty="0"/>
           </a:p>
@@ -26171,133 +25481,6 @@
               <a:rPr lang="en-US" smtClean="0"/>
               <a:pPr/>
               <a:t>37</a:t>
-            </a:fld>
-            <a:endParaRPr lang="en-US" dirty="0"/>
-          </a:p>
-        </p:txBody>
-      </p:sp>
-    </p:spTree>
-    <p:extLst>
-      <p:ext uri="{BB962C8B-B14F-4D97-AF65-F5344CB8AC3E}">
-        <p14:creationId xmlns:p14="http://schemas.microsoft.com/office/powerpoint/2010/main" val="3156014083"/>
-      </p:ext>
-    </p:extLst>
-  </p:cSld>
-  <p:clrMapOvr>
-    <a:masterClrMapping/>
-  </p:clrMapOvr>
-  <p:transition xmlns:p14="http://schemas.microsoft.com/office/powerpoint/2010/main">
-    <p:fade/>
-  </p:transition>
-  <p:timing>
-    <p:tnLst>
-      <p:par>
-        <p:cTn xmlns:p14="http://schemas.microsoft.com/office/powerpoint/2010/main" id="1" dur="indefinite" restart="never" nodeType="tmRoot"/>
-      </p:par>
-    </p:tnLst>
-  </p:timing>
-</p:sld>
-</file>
-
-<file path=ppt/slides/slide38.xml><?xml version="1.0" encoding="utf-8"?>
-<p:sld xmlns:a="http://schemas.openxmlformats.org/drawingml/2006/main" xmlns:r="http://schemas.openxmlformats.org/officeDocument/2006/relationships" xmlns:p="http://schemas.openxmlformats.org/presentationml/2006/main">
-  <p:cSld>
-    <p:spTree>
-      <p:nvGrpSpPr>
-        <p:cNvPr id="1" name=""/>
-        <p:cNvGrpSpPr/>
-        <p:nvPr/>
-      </p:nvGrpSpPr>
-      <p:grpSpPr>
-        <a:xfrm>
-          <a:off x="0" y="0"/>
-          <a:ext cx="0" cy="0"/>
-          <a:chOff x="0" y="0"/>
-          <a:chExt cx="0" cy="0"/>
-        </a:xfrm>
-      </p:grpSpPr>
-      <p:sp>
-        <p:nvSpPr>
-          <p:cNvPr id="2" name="Text Placeholder 1"/>
-          <p:cNvSpPr>
-            <a:spLocks noGrp="1"/>
-          </p:cNvSpPr>
-          <p:nvPr>
-            <p:ph type="body" sz="quarter" idx="10"/>
-          </p:nvPr>
-        </p:nvSpPr>
-        <p:spPr>
-          <a:xfrm>
-            <a:off x="519112" y="1447799"/>
-            <a:ext cx="11149013" cy="2501204"/>
-          </a:xfrm>
-        </p:spPr>
-        <p:txBody>
-          <a:bodyPr/>
-          <a:lstStyle/>
-          <a:p>
-            <a:r>
-              <a:rPr lang="en-US" dirty="0" smtClean="0"/>
-              <a:t>SP.RequestExecutor.js located in LAYOUTS directory</a:t>
-            </a:r>
-          </a:p>
-          <a:p>
-            <a:r>
-              <a:rPr lang="en-US" dirty="0" smtClean="0"/>
-              <a:t>Option 1: Copy and include directly in your app</a:t>
-            </a:r>
-          </a:p>
-          <a:p>
-            <a:r>
-              <a:rPr lang="en-US" dirty="0" smtClean="0"/>
-              <a:t>Option 2: Load Dynamically using jQuery</a:t>
-            </a:r>
-            <a:endParaRPr lang="en-US" dirty="0"/>
-          </a:p>
-        </p:txBody>
-      </p:sp>
-      <p:sp>
-        <p:nvSpPr>
-          <p:cNvPr id="3" name="Title 2"/>
-          <p:cNvSpPr>
-            <a:spLocks noGrp="1"/>
-          </p:cNvSpPr>
-          <p:nvPr>
-            <p:ph type="title"/>
-          </p:nvPr>
-        </p:nvSpPr>
-        <p:spPr/>
-        <p:txBody>
-          <a:bodyPr/>
-          <a:lstStyle/>
-          <a:p>
-            <a:r>
-              <a:rPr lang="en-US" dirty="0" smtClean="0"/>
-              <a:t>Loading the Cross-Domain Library</a:t>
-            </a:r>
-            <a:endParaRPr lang="en-US" dirty="0"/>
-          </a:p>
-        </p:txBody>
-      </p:sp>
-      <p:sp>
-        <p:nvSpPr>
-          <p:cNvPr id="4" name="Slide Number Placeholder 3"/>
-          <p:cNvSpPr>
-            <a:spLocks noGrp="1"/>
-          </p:cNvSpPr>
-          <p:nvPr>
-            <p:ph type="sldNum" sz="quarter" idx="12"/>
-          </p:nvPr>
-        </p:nvSpPr>
-        <p:spPr/>
-        <p:txBody>
-          <a:bodyPr/>
-          <a:lstStyle/>
-          <a:p>
-            <a:fld id="{727B4C2D-45E2-4621-8491-2995EB46A674}" type="slidenum">
-              <a:rPr lang="en-US" smtClean="0"/>
-              <a:pPr/>
-              <a:t>38</a:t>
             </a:fld>
             <a:endParaRPr lang="en-US" dirty="0"/>
           </a:p>
@@ -26343,20 +25526,20 @@
   <p:clrMapOvr>
     <a:masterClrMapping/>
   </p:clrMapOvr>
-  <p:transition xmlns:p14="http://schemas.microsoft.com/office/powerpoint/2010/main">
+  <p:transition>
     <p:fade/>
   </p:transition>
   <p:timing>
     <p:tnLst>
       <p:par>
-        <p:cTn xmlns:p14="http://schemas.microsoft.com/office/powerpoint/2010/main" id="1" dur="indefinite" restart="never" nodeType="tmRoot"/>
+        <p:cTn id="1" dur="indefinite" restart="never" nodeType="tmRoot"/>
       </p:par>
     </p:tnLst>
   </p:timing>
 </p:sld>
 </file>
 
-<file path=ppt/slides/slide39.xml><?xml version="1.0" encoding="utf-8"?>
+<file path=ppt/slides/slide38.xml><?xml version="1.0" encoding="utf-8"?>
 <p:sld xmlns:a="http://schemas.openxmlformats.org/drawingml/2006/main" xmlns:r="http://schemas.openxmlformats.org/officeDocument/2006/relationships" xmlns:p="http://schemas.openxmlformats.org/presentationml/2006/main">
   <p:cSld>
     <p:spTree>
@@ -26414,7 +25597,7 @@
             <a:fld id="{727B4C2D-45E2-4621-8491-2995EB46A674}" type="slidenum">
               <a:rPr lang="en-US" smtClean="0"/>
               <a:pPr/>
-              <a:t>39</a:t>
+              <a:t>38</a:t>
             </a:fld>
             <a:endParaRPr lang="en-US" dirty="0"/>
           </a:p>
@@ -27495,13 +26678,13 @@
   <p:clrMapOvr>
     <a:masterClrMapping/>
   </p:clrMapOvr>
-  <p:transition xmlns:p14="http://schemas.microsoft.com/office/powerpoint/2010/main">
+  <p:transition>
     <p:fade/>
   </p:transition>
   <p:timing>
     <p:tnLst>
       <p:par>
-        <p:cTn xmlns:p14="http://schemas.microsoft.com/office/powerpoint/2010/main" id="1" dur="indefinite" restart="never" nodeType="tmRoot">
+        <p:cTn id="1" dur="indefinite" restart="never" nodeType="tmRoot">
           <p:childTnLst>
             <p:seq concurrent="1" nextAc="seek">
               <p:cTn id="2" dur="indefinite" nodeType="mainSeq">
@@ -27571,7 +26754,7 @@
 </p:sld>
 </file>
 
-<file path=ppt/slides/slide4.xml><?xml version="1.0" encoding="utf-8"?>
+<file path=ppt/slides/slide39.xml><?xml version="1.0" encoding="utf-8"?>
 <p:sld xmlns:a="http://schemas.openxmlformats.org/drawingml/2006/main" xmlns:r="http://schemas.openxmlformats.org/officeDocument/2006/relationships" xmlns:p="http://schemas.openxmlformats.org/presentationml/2006/main">
   <p:cSld>
     <p:spTree>
@@ -27590,154 +26773,6 @@
       </p:grpSpPr>
       <p:sp>
         <p:nvSpPr>
-          <p:cNvPr id="2" name="Text Placeholder 1"/>
-          <p:cNvSpPr>
-            <a:spLocks noGrp="1"/>
-          </p:cNvSpPr>
-          <p:nvPr>
-            <p:ph type="body" sz="quarter" idx="15"/>
-          </p:nvPr>
-        </p:nvSpPr>
-        <p:spPr>
-          <a:xfrm>
-            <a:off x="4570903" y="1814048"/>
-            <a:ext cx="7617922" cy="2881519"/>
-          </a:xfrm>
-        </p:spPr>
-        <p:txBody>
-          <a:bodyPr/>
-          <a:lstStyle/>
-          <a:p>
-            <a:r>
-              <a:rPr lang="en-US" dirty="0" smtClean="0"/>
-              <a:t>Introduction</a:t>
-            </a:r>
-          </a:p>
-          <a:p>
-            <a:r>
-              <a:rPr lang="en-US" dirty="0" smtClean="0"/>
-              <a:t>Programming </a:t>
-            </a:r>
-            <a:r>
-              <a:rPr lang="en-US" dirty="0" err="1" smtClean="0"/>
-              <a:t>OAuth</a:t>
-            </a:r>
-            <a:endParaRPr lang="en-US" dirty="0" smtClean="0"/>
-          </a:p>
-          <a:p>
-            <a:r>
-              <a:rPr lang="en-US" dirty="0" smtClean="0"/>
-              <a:t>Programming Cross-Domain Library</a:t>
-            </a:r>
-          </a:p>
-        </p:txBody>
-      </p:sp>
-      <p:pic>
-        <p:nvPicPr>
-          <p:cNvPr id="4" name="Picture Placeholder 3"/>
-          <p:cNvPicPr>
-            <a:picLocks noGrp="1" noChangeAspect="1"/>
-          </p:cNvPicPr>
-          <p:nvPr>
-            <p:ph type="pic" sz="quarter" idx="16"/>
-          </p:nvPr>
-        </p:nvPicPr>
-        <p:blipFill>
-          <a:blip r:embed="rId3">
-            <a:extLst>
-              <a:ext uri="{28A0092B-C50C-407E-A947-70E740481C1C}">
-                <a14:useLocalDpi xmlns:a14="http://schemas.microsoft.com/office/drawing/2010/main" val="0"/>
-              </a:ext>
-            </a:extLst>
-          </a:blip>
-          <a:stretch>
-            <a:fillRect/>
-          </a:stretch>
-        </p:blipFill>
-        <p:spPr>
-          <a:xfrm>
-            <a:off x="269169" y="1905492"/>
-            <a:ext cx="4301734" cy="2865616"/>
-          </a:xfrm>
-        </p:spPr>
-      </p:pic>
-      <p:sp>
-        <p:nvSpPr>
-          <p:cNvPr id="5" name="Title 4"/>
-          <p:cNvSpPr>
-            <a:spLocks noGrp="1"/>
-          </p:cNvSpPr>
-          <p:nvPr>
-            <p:ph type="title"/>
-          </p:nvPr>
-        </p:nvSpPr>
-        <p:spPr/>
-        <p:txBody>
-          <a:bodyPr/>
-          <a:lstStyle/>
-          <a:p>
-            <a:r>
-              <a:rPr lang="en-US" dirty="0" smtClean="0"/>
-              <a:t>Agenda</a:t>
-            </a:r>
-            <a:br>
-              <a:rPr lang="en-US" dirty="0" smtClean="0"/>
-            </a:br>
-            <a:endParaRPr lang="en-US" dirty="0"/>
-          </a:p>
-        </p:txBody>
-      </p:sp>
-    </p:spTree>
-    <p:extLst>
-      <p:ext uri="{BB962C8B-B14F-4D97-AF65-F5344CB8AC3E}">
-        <p14:creationId xmlns:p14="http://schemas.microsoft.com/office/powerpoint/2010/main" val="2395946767"/>
-      </p:ext>
-    </p:extLst>
-  </p:cSld>
-  <p:clrMapOvr>
-    <a:masterClrMapping/>
-  </p:clrMapOvr>
-  <mc:AlternateContent xmlns:mc="http://schemas.openxmlformats.org/markup-compatibility/2006" xmlns:p14="http://schemas.microsoft.com/office/powerpoint/2010/main">
-    <mc:Choice Requires="p14">
-      <p:transition spd="med" p14:dur="700">
-        <p:fade/>
-      </p:transition>
-    </mc:Choice>
-    <mc:Fallback xmlns="">
-      <p:transition spd="med">
-        <p:fade/>
-      </p:transition>
-    </mc:Fallback>
-  </mc:AlternateContent>
-  <p:timing>
-    <p:tnLst>
-      <p:par>
-        <p:cTn xmlns:p14="http://schemas.microsoft.com/office/powerpoint/2010/main" id="1" dur="indefinite" restart="never" nodeType="tmRoot"/>
-      </p:par>
-    </p:tnLst>
-  </p:timing>
-</p:sld>
-</file>
-
-<file path=ppt/slides/slide40.xml><?xml version="1.0" encoding="utf-8"?>
-<p:sld xmlns:a="http://schemas.openxmlformats.org/drawingml/2006/main" xmlns:r="http://schemas.openxmlformats.org/officeDocument/2006/relationships" xmlns:p="http://schemas.openxmlformats.org/presentationml/2006/main">
-  <p:cSld>
-    <p:spTree>
-      <p:nvGrpSpPr>
-        <p:cNvPr id="1" name=""/>
-        <p:cNvGrpSpPr/>
-        <p:nvPr/>
-      </p:nvGrpSpPr>
-      <p:grpSpPr>
-        <a:xfrm>
-          <a:off x="0" y="0"/>
-          <a:ext cx="0" cy="0"/>
-          <a:chOff x="0" y="0"/>
-          <a:chExt cx="0" cy="0"/>
-        </a:xfrm>
-      </p:grpSpPr>
-      <p:sp>
-        <p:nvSpPr>
           <p:cNvPr id="2" name="Title 1"/>
           <p:cNvSpPr>
             <a:spLocks noGrp="1"/>
@@ -27777,7 +26812,7 @@
             <a:fld id="{727B4C2D-45E2-4621-8491-2995EB46A674}" type="slidenum">
               <a:rPr lang="en-US" smtClean="0"/>
               <a:pPr/>
-              <a:t>40</a:t>
+              <a:t>39</a:t>
             </a:fld>
             <a:endParaRPr lang="en-US" dirty="0"/>
           </a:p>
@@ -27945,20 +26980,20 @@
   <p:clrMapOvr>
     <a:masterClrMapping/>
   </p:clrMapOvr>
-  <p:transition xmlns:p14="http://schemas.microsoft.com/office/powerpoint/2010/main">
+  <p:transition>
     <p:fade/>
   </p:transition>
   <p:timing>
     <p:tnLst>
       <p:par>
-        <p:cTn xmlns:p14="http://schemas.microsoft.com/office/powerpoint/2010/main" id="1" dur="indefinite" restart="never" nodeType="tmRoot"/>
+        <p:cTn id="1" dur="indefinite" restart="never" nodeType="tmRoot"/>
       </p:par>
     </p:tnLst>
   </p:timing>
 </p:sld>
 </file>
 
-<file path=ppt/slides/slide41.xml><?xml version="1.0" encoding="utf-8"?>
+<file path=ppt/slides/slide4.xml><?xml version="1.0" encoding="utf-8"?>
 <p:sld xmlns:a="http://schemas.openxmlformats.org/drawingml/2006/main" xmlns:r="http://schemas.openxmlformats.org/officeDocument/2006/relationships" xmlns:p="http://schemas.openxmlformats.org/presentationml/2006/main">
   <p:cSld>
     <p:spTree>
@@ -27977,6 +27012,154 @@
       </p:grpSpPr>
       <p:sp>
         <p:nvSpPr>
+          <p:cNvPr id="2" name="Text Placeholder 1"/>
+          <p:cNvSpPr>
+            <a:spLocks noGrp="1"/>
+          </p:cNvSpPr>
+          <p:nvPr>
+            <p:ph type="body" sz="quarter" idx="15"/>
+          </p:nvPr>
+        </p:nvSpPr>
+        <p:spPr>
+          <a:xfrm>
+            <a:off x="4570903" y="1814048"/>
+            <a:ext cx="7617922" cy="2881519"/>
+          </a:xfrm>
+        </p:spPr>
+        <p:txBody>
+          <a:bodyPr/>
+          <a:lstStyle/>
+          <a:p>
+            <a:r>
+              <a:rPr lang="en-US" dirty="0" smtClean="0"/>
+              <a:t>Introduction</a:t>
+            </a:r>
+          </a:p>
+          <a:p>
+            <a:r>
+              <a:rPr lang="en-US" dirty="0" smtClean="0"/>
+              <a:t>Programming </a:t>
+            </a:r>
+            <a:r>
+              <a:rPr lang="en-US" dirty="0" err="1" smtClean="0"/>
+              <a:t>OAuth</a:t>
+            </a:r>
+            <a:endParaRPr lang="en-US" dirty="0" smtClean="0"/>
+          </a:p>
+          <a:p>
+            <a:r>
+              <a:rPr lang="en-US" dirty="0" smtClean="0"/>
+              <a:t>Programming Cross-Domain Library</a:t>
+            </a:r>
+          </a:p>
+        </p:txBody>
+      </p:sp>
+      <p:pic>
+        <p:nvPicPr>
+          <p:cNvPr id="4" name="Picture Placeholder 3"/>
+          <p:cNvPicPr>
+            <a:picLocks noGrp="1" noChangeAspect="1"/>
+          </p:cNvPicPr>
+          <p:nvPr>
+            <p:ph type="pic" sz="quarter" idx="16"/>
+          </p:nvPr>
+        </p:nvPicPr>
+        <p:blipFill>
+          <a:blip r:embed="rId3">
+            <a:extLst>
+              <a:ext uri="{28A0092B-C50C-407E-A947-70E740481C1C}">
+                <a14:useLocalDpi xmlns:a14="http://schemas.microsoft.com/office/drawing/2010/main" val="0"/>
+              </a:ext>
+            </a:extLst>
+          </a:blip>
+          <a:stretch>
+            <a:fillRect/>
+          </a:stretch>
+        </p:blipFill>
+        <p:spPr>
+          <a:xfrm>
+            <a:off x="269169" y="1905492"/>
+            <a:ext cx="4301734" cy="2865616"/>
+          </a:xfrm>
+        </p:spPr>
+      </p:pic>
+      <p:sp>
+        <p:nvSpPr>
+          <p:cNvPr id="5" name="Title 4"/>
+          <p:cNvSpPr>
+            <a:spLocks noGrp="1"/>
+          </p:cNvSpPr>
+          <p:nvPr>
+            <p:ph type="title"/>
+          </p:nvPr>
+        </p:nvSpPr>
+        <p:spPr/>
+        <p:txBody>
+          <a:bodyPr/>
+          <a:lstStyle/>
+          <a:p>
+            <a:r>
+              <a:rPr lang="en-US" dirty="0" smtClean="0"/>
+              <a:t>Agenda</a:t>
+            </a:r>
+            <a:br>
+              <a:rPr lang="en-US" dirty="0" smtClean="0"/>
+            </a:br>
+            <a:endParaRPr lang="en-US" dirty="0"/>
+          </a:p>
+        </p:txBody>
+      </p:sp>
+    </p:spTree>
+    <p:extLst>
+      <p:ext uri="{BB962C8B-B14F-4D97-AF65-F5344CB8AC3E}">
+        <p14:creationId xmlns:p14="http://schemas.microsoft.com/office/powerpoint/2010/main" val="2395946767"/>
+      </p:ext>
+    </p:extLst>
+  </p:cSld>
+  <p:clrMapOvr>
+    <a:masterClrMapping/>
+  </p:clrMapOvr>
+  <mc:AlternateContent xmlns:mc="http://schemas.openxmlformats.org/markup-compatibility/2006" xmlns:p14="http://schemas.microsoft.com/office/powerpoint/2010/main">
+    <mc:Choice Requires="p14">
+      <p:transition spd="med" p14:dur="700">
+        <p:fade/>
+      </p:transition>
+    </mc:Choice>
+    <mc:Fallback xmlns="">
+      <p:transition spd="med">
+        <p:fade/>
+      </p:transition>
+    </mc:Fallback>
+  </mc:AlternateContent>
+  <p:timing>
+    <p:tnLst>
+      <p:par>
+        <p:cTn id="1" dur="indefinite" restart="never" nodeType="tmRoot"/>
+      </p:par>
+    </p:tnLst>
+  </p:timing>
+</p:sld>
+</file>
+
+<file path=ppt/slides/slide40.xml><?xml version="1.0" encoding="utf-8"?>
+<p:sld xmlns:a="http://schemas.openxmlformats.org/drawingml/2006/main" xmlns:r="http://schemas.openxmlformats.org/officeDocument/2006/relationships" xmlns:p="http://schemas.openxmlformats.org/presentationml/2006/main">
+  <p:cSld>
+    <p:spTree>
+      <p:nvGrpSpPr>
+        <p:cNvPr id="1" name=""/>
+        <p:cNvGrpSpPr/>
+        <p:nvPr/>
+      </p:nvGrpSpPr>
+      <p:grpSpPr>
+        <a:xfrm>
+          <a:off x="0" y="0"/>
+          <a:ext cx="0" cy="0"/>
+          <a:chOff x="0" y="0"/>
+          <a:chExt cx="0" cy="0"/>
+        </a:xfrm>
+      </p:grpSpPr>
+      <p:sp>
+        <p:nvSpPr>
           <p:cNvPr id="2" name="Title 1"/>
           <p:cNvSpPr>
             <a:spLocks noGrp="1"/>
@@ -28016,7 +27199,7 @@
             <a:fld id="{727B4C2D-45E2-4621-8491-2995EB46A674}" type="slidenum">
               <a:rPr lang="en-US" smtClean="0"/>
               <a:pPr/>
-              <a:t>41</a:t>
+              <a:t>40</a:t>
             </a:fld>
             <a:endParaRPr lang="en-US" dirty="0"/>
           </a:p>
@@ -28184,109 +27367,20 @@
   <p:clrMapOvr>
     <a:masterClrMapping/>
   </p:clrMapOvr>
-  <p:transition xmlns:p14="http://schemas.microsoft.com/office/powerpoint/2010/main">
+  <p:transition>
     <p:fade/>
   </p:transition>
   <p:timing>
     <p:tnLst>
       <p:par>
-        <p:cTn xmlns:p14="http://schemas.microsoft.com/office/powerpoint/2010/main" id="1" dur="indefinite" restart="never" nodeType="tmRoot"/>
+        <p:cTn id="1" dur="indefinite" restart="never" nodeType="tmRoot"/>
       </p:par>
     </p:tnLst>
   </p:timing>
 </p:sld>
 </file>
 
-<file path=ppt/slides/slide42.xml><?xml version="1.0" encoding="utf-8"?>
-<p:sld xmlns:a="http://schemas.openxmlformats.org/drawingml/2006/main" xmlns:r="http://schemas.openxmlformats.org/officeDocument/2006/relationships" xmlns:p="http://schemas.openxmlformats.org/presentationml/2006/main">
-  <p:cSld>
-    <p:spTree>
-      <p:nvGrpSpPr>
-        <p:cNvPr id="1" name=""/>
-        <p:cNvGrpSpPr/>
-        <p:nvPr/>
-      </p:nvGrpSpPr>
-      <p:grpSpPr>
-        <a:xfrm>
-          <a:off x="0" y="0"/>
-          <a:ext cx="0" cy="0"/>
-          <a:chOff x="0" y="0"/>
-          <a:chExt cx="0" cy="0"/>
-        </a:xfrm>
-      </p:grpSpPr>
-      <p:sp>
-        <p:nvSpPr>
-          <p:cNvPr id="4" name="Subtitle 3"/>
-          <p:cNvSpPr>
-            <a:spLocks noGrp="1"/>
-          </p:cNvSpPr>
-          <p:nvPr>
-            <p:ph type="subTitle" idx="1"/>
-          </p:nvPr>
-        </p:nvSpPr>
-        <p:spPr/>
-        <p:txBody>
-          <a:bodyPr/>
-          <a:lstStyle/>
-          <a:p>
-            <a:r>
-              <a:rPr lang="en-US" dirty="0" smtClean="0"/>
-              <a:t>The Cross-Domain Library</a:t>
-            </a:r>
-            <a:endParaRPr lang="en-US" dirty="0"/>
-          </a:p>
-        </p:txBody>
-      </p:sp>
-      <p:sp>
-        <p:nvSpPr>
-          <p:cNvPr id="2" name="Text Placeholder 1"/>
-          <p:cNvSpPr>
-            <a:spLocks noGrp="1"/>
-          </p:cNvSpPr>
-          <p:nvPr>
-            <p:ph type="body" sz="quarter" idx="10"/>
-          </p:nvPr>
-        </p:nvSpPr>
-        <p:spPr/>
-        <p:txBody>
-          <a:bodyPr/>
-          <a:lstStyle/>
-          <a:p>
-            <a:pPr marL="0" indent="0">
-              <a:buNone/>
-            </a:pPr>
-            <a:r>
-              <a:rPr lang="en-US" dirty="0" smtClean="0"/>
-              <a:t>demo</a:t>
-            </a:r>
-            <a:endParaRPr lang="en-US" dirty="0"/>
-          </a:p>
-        </p:txBody>
-      </p:sp>
-    </p:spTree>
-    <p:extLst>
-      <p:ext uri="{BB962C8B-B14F-4D97-AF65-F5344CB8AC3E}">
-        <p14:creationId xmlns:p14="http://schemas.microsoft.com/office/powerpoint/2010/main" val="1012438977"/>
-      </p:ext>
-    </p:extLst>
-  </p:cSld>
-  <p:clrMapOvr>
-    <a:masterClrMapping/>
-  </p:clrMapOvr>
-  <p:transition xmlns:p14="http://schemas.microsoft.com/office/powerpoint/2010/main">
-    <p:fade/>
-  </p:transition>
-  <p:timing>
-    <p:tnLst>
-      <p:par>
-        <p:cTn xmlns:p14="http://schemas.microsoft.com/office/powerpoint/2010/main" id="1" dur="indefinite" restart="never" nodeType="tmRoot"/>
-      </p:par>
-    </p:tnLst>
-  </p:timing>
-</p:sld>
-</file>
-
-<file path=ppt/slides/slide43.xml><?xml version="1.0" encoding="utf-8"?>
+<file path=ppt/slides/slide41.xml><?xml version="1.0" encoding="utf-8"?>
 <p:sld xmlns:a="http://schemas.openxmlformats.org/drawingml/2006/main" xmlns:r="http://schemas.openxmlformats.org/officeDocument/2006/relationships" xmlns:p="http://schemas.openxmlformats.org/presentationml/2006/main">
   <p:cSld>
     <p:spTree>
@@ -28427,14 +27521,14 @@
   <p:timing>
     <p:tnLst>
       <p:par>
-        <p:cTn xmlns:p14="http://schemas.microsoft.com/office/powerpoint/2010/main" id="1" dur="indefinite" restart="never" nodeType="tmRoot"/>
+        <p:cTn id="1" dur="indefinite" restart="never" nodeType="tmRoot"/>
       </p:par>
     </p:tnLst>
   </p:timing>
 </p:sld>
 </file>
 
-<file path=ppt/slides/slide44.xml><?xml version="1.0" encoding="utf-8"?>
+<file path=ppt/slides/slide42.xml><?xml version="1.0" encoding="utf-8"?>
 <p:sld xmlns:a="http://schemas.openxmlformats.org/drawingml/2006/main" xmlns:r="http://schemas.openxmlformats.org/officeDocument/2006/relationships" xmlns:p="http://schemas.openxmlformats.org/presentationml/2006/main">
   <p:cSld>
     <p:spTree>
@@ -28812,7 +27906,7 @@
   <p:timing>
     <p:tnLst>
       <p:par>
-        <p:cTn xmlns:p14="http://schemas.microsoft.com/office/powerpoint/2010/main" id="1" dur="indefinite" restart="never" nodeType="tmRoot"/>
+        <p:cTn id="1" dur="indefinite" restart="never" nodeType="tmRoot"/>
       </p:par>
     </p:tnLst>
   </p:timing>
@@ -28889,13 +27983,13 @@
   <p:clrMapOvr>
     <a:masterClrMapping/>
   </p:clrMapOvr>
-  <p:transition xmlns:p14="http://schemas.microsoft.com/office/powerpoint/2010/main">
+  <p:transition>
     <p:fade/>
   </p:transition>
   <p:timing>
     <p:tnLst>
       <p:par>
-        <p:cTn xmlns:p14="http://schemas.microsoft.com/office/powerpoint/2010/main" id="1" dur="indefinite" restart="never" nodeType="tmRoot"/>
+        <p:cTn id="1" dur="indefinite" restart="never" nodeType="tmRoot"/>
       </p:par>
     </p:tnLst>
   </p:timing>
@@ -30098,13 +29192,13 @@
   <p:clrMapOvr>
     <a:masterClrMapping/>
   </p:clrMapOvr>
-  <p:transition xmlns:p14="http://schemas.microsoft.com/office/powerpoint/2010/main">
+  <p:transition>
     <p:fade/>
   </p:transition>
   <p:timing>
     <p:tnLst>
       <p:par>
-        <p:cTn xmlns:p14="http://schemas.microsoft.com/office/powerpoint/2010/main" id="1" dur="indefinite" restart="never" nodeType="tmRoot"/>
+        <p:cTn id="1" dur="indefinite" restart="never" nodeType="tmRoot"/>
       </p:par>
     </p:tnLst>
   </p:timing>
@@ -30225,13 +29319,13 @@
   <p:clrMapOvr>
     <a:masterClrMapping/>
   </p:clrMapOvr>
-  <p:transition xmlns:p14="http://schemas.microsoft.com/office/powerpoint/2010/main">
+  <p:transition>
     <p:fade/>
   </p:transition>
   <p:timing>
     <p:tnLst>
       <p:par>
-        <p:cTn xmlns:p14="http://schemas.microsoft.com/office/powerpoint/2010/main" id="1" dur="indefinite" restart="never" nodeType="tmRoot"/>
+        <p:cTn id="1" dur="indefinite" restart="never" nodeType="tmRoot"/>
       </p:par>
     </p:tnLst>
   </p:timing>
@@ -30428,13 +29522,13 @@
   <p:clrMapOvr>
     <a:masterClrMapping/>
   </p:clrMapOvr>
-  <p:transition xmlns:p14="http://schemas.microsoft.com/office/powerpoint/2010/main">
+  <p:transition>
     <p:fade/>
   </p:transition>
   <p:timing>
     <p:tnLst>
       <p:par>
-        <p:cTn xmlns:p14="http://schemas.microsoft.com/office/powerpoint/2010/main" id="1" dur="indefinite" restart="never" nodeType="tmRoot"/>
+        <p:cTn id="1" dur="indefinite" restart="never" nodeType="tmRoot"/>
       </p:par>
     </p:tnLst>
   </p:timing>
@@ -30608,13 +29702,13 @@
   <p:clrMapOvr>
     <a:masterClrMapping/>
   </p:clrMapOvr>
-  <p:transition xmlns:p14="http://schemas.microsoft.com/office/powerpoint/2010/main">
+  <p:transition>
     <p:fade/>
   </p:transition>
   <p:timing>
     <p:tnLst>
       <p:par>
-        <p:cTn xmlns:p14="http://schemas.microsoft.com/office/powerpoint/2010/main" id="1" dur="indefinite" restart="never" nodeType="tmRoot"/>
+        <p:cTn id="1" dur="indefinite" restart="never" nodeType="tmRoot"/>
       </p:par>
     </p:tnLst>
   </p:timing>
@@ -30908,7 +30002,7 @@
   <a:extraClrSchemeLst/>
   <a:extLst>
     <a:ext uri="{05A4C25C-085E-4340-85A3-A5531E510DB2}">
-      <thm15:themeFamily xmlns:thm15="http://schemas.microsoft.com/office/thememl/2012/main" xmlns="" name="Office_Template_16x9_WHITE.potx" id="{BAC85760-2BE3-4369-8D6A-792FA239637A}" vid="{0B6ECECE-D832-4A6D-9382-4D4E764C03DC}"/>
+      <thm15:themeFamily xmlns:thm15="http://schemas.microsoft.com/office/thememl/2012/main" name="Office_Template_16x9_WHITE.potx" id="{BAC85760-2BE3-4369-8D6A-792FA239637A}" vid="{0B6ECECE-D832-4A6D-9382-4D4E764C03DC}"/>
     </a:ext>
   </a:extLst>
 </a:theme>
@@ -31201,7 +30295,7 @@
   <a:extraClrSchemeLst/>
   <a:extLst>
     <a:ext uri="{05A4C25C-085E-4340-85A3-A5531E510DB2}">
-      <thm15:themeFamily xmlns:thm15="http://schemas.microsoft.com/office/thememl/2012/main" xmlns="" name="Office_Template_16x9_WHITE.potx" id="{BAC85760-2BE3-4369-8D6A-792FA239637A}" vid="{A93E73D1-45C6-4FF9-A009-9C9E7F69F4DC}"/>
+      <thm15:themeFamily xmlns:thm15="http://schemas.microsoft.com/office/thememl/2012/main" name="Office_Template_16x9_WHITE.potx" id="{BAC85760-2BE3-4369-8D6A-792FA239637A}" vid="{A93E73D1-45C6-4FF9-A009-9C9E7F69F4DC}"/>
     </a:ext>
   </a:extLst>
 </a:theme>
@@ -31774,12 +30868,21 @@
 </file>
 
 <file path=customXml/item1.xml><?xml version="1.0" encoding="utf-8"?>
+<?mso-contentType ?>
+<FormTemplates xmlns="http://schemas.microsoft.com/sharepoint/v3/contenttype/forms">
+  <Display>DocumentLibraryForm</Display>
+  <Edit>DocumentLibraryForm</Edit>
+  <New>DocumentLibraryForm</New>
+</FormTemplates>
+</file>
+
+<file path=customXml/item2.xml><?xml version="1.0" encoding="utf-8"?>
 <p:properties xmlns:p="http://schemas.microsoft.com/office/2006/metadata/properties" xmlns:xsi="http://www.w3.org/2001/XMLSchema-instance" xmlns:pc="http://schemas.microsoft.com/office/infopath/2007/PartnerControls">
   <documentManagement/>
 </p:properties>
 </file>
 
-<file path=customXml/item2.xml><?xml version="1.0" encoding="utf-8"?>
+<file path=customXml/item3.xml><?xml version="1.0" encoding="utf-8"?>
 <ct:contentTypeSchema xmlns:ct="http://schemas.microsoft.com/office/2006/metadata/contentType" xmlns:ma="http://schemas.microsoft.com/office/2006/metadata/properties/metaAttributes" ct:_="" ma:_="" ma:contentTypeName="Document" ma:contentTypeID="0x010100A2E4C90AA7333249A7DBC8CC6F49919B" ma:contentTypeVersion="1" ma:contentTypeDescription="Create a new document." ma:contentTypeScope="" ma:versionID="e7b09f0f38d7ed30c7da14951e97abcc">
   <xsd:schema xmlns:xsd="http://www.w3.org/2001/XMLSchema" xmlns:xs="http://www.w3.org/2001/XMLSchema" xmlns:p="http://schemas.microsoft.com/office/2006/metadata/properties" xmlns:ns2="5fad15d0-477e-40da-a20d-40d4ca777cbd" targetNamespace="http://schemas.microsoft.com/office/2006/metadata/properties" ma:root="true" ma:fieldsID="0cee24db179c30c5ebec40b677cadf70" ns2:_="">
     <xsd:import namespace="5fad15d0-477e-40da-a20d-40d4ca777cbd"/>
@@ -31919,16 +31022,15 @@
 </ct:contentTypeSchema>
 </file>
 
-<file path=customXml/item3.xml><?xml version="1.0" encoding="utf-8"?>
-<?mso-contentType ?>
-<FormTemplates xmlns="http://schemas.microsoft.com/sharepoint/v3/contenttype/forms">
-  <Display>DocumentLibraryForm</Display>
-  <Edit>DocumentLibraryForm</Edit>
-  <New>DocumentLibraryForm</New>
-</FormTemplates>
+<file path=customXml/itemProps1.xml><?xml version="1.0" encoding="utf-8"?>
+<ds:datastoreItem xmlns:ds="http://schemas.openxmlformats.org/officeDocument/2006/customXml" ds:itemID="{E1E0CE18-CA03-4891-9CD8-3448778E3D53}">
+  <ds:schemaRefs>
+    <ds:schemaRef ds:uri="http://schemas.microsoft.com/sharepoint/v3/contenttype/forms"/>
+  </ds:schemaRefs>
+</ds:datastoreItem>
 </file>
 
-<file path=customXml/itemProps1.xml><?xml version="1.0" encoding="utf-8"?>
+<file path=customXml/itemProps2.xml><?xml version="1.0" encoding="utf-8"?>
 <ds:datastoreItem xmlns:ds="http://schemas.openxmlformats.org/officeDocument/2006/customXml" ds:itemID="{DA593625-DB14-4FB0-B5A9-3269FA9C120B}">
   <ds:schemaRefs>
     <ds:schemaRef ds:uri="http://schemas.microsoft.com/office/2006/documentManagement/types"/>
@@ -31944,7 +31046,7 @@
 </ds:datastoreItem>
 </file>
 
-<file path=customXml/itemProps2.xml><?xml version="1.0" encoding="utf-8"?>
+<file path=customXml/itemProps3.xml><?xml version="1.0" encoding="utf-8"?>
 <ds:datastoreItem xmlns:ds="http://schemas.openxmlformats.org/officeDocument/2006/customXml" ds:itemID="{F17DCE38-6787-497B-B958-75817420EB1E}">
   <ds:schemaRefs>
     <ds:schemaRef ds:uri="http://schemas.microsoft.com/office/2006/metadata/contentType"/>
@@ -31960,12 +31062,4 @@
     <ds:schemaRef ds:uri="http://schemas.microsoft.com/internal/obd"/>
   </ds:schemaRefs>
 </ds:datastoreItem>
-</file>
-
-<file path=customXml/itemProps3.xml><?xml version="1.0" encoding="utf-8"?>
-<ds:datastoreItem xmlns:ds="http://schemas.openxmlformats.org/officeDocument/2006/customXml" ds:itemID="{E1E0CE18-CA03-4891-9CD8-3448778E3D53}">
-  <ds:schemaRefs>
-    <ds:schemaRef ds:uri="http://schemas.microsoft.com/sharepoint/v3/contenttype/forms"/>
-  </ds:schemaRefs>
-</ds:datastoreItem>
 </file>
--- a/03.Hook into Apps for SharePoint/Hook into Apps for SharePoint.pptx
+++ b/03.Hook into Apps for SharePoint/Hook into Apps for SharePoint.pptx
@@ -356,7 +356,7 @@
           <a:p>
             <a:fld id="{DE219B1A-AE41-483B-A766-69B9363DDA6A}" type="datetimeFigureOut">
               <a:rPr lang="en-US" smtClean="0"/>
-              <a:t>10/22/2014</a:t>
+              <a:t>10/24/2014</a:t>
             </a:fld>
             <a:endParaRPr lang="en-US"/>
           </a:p>
@@ -638,7 +638,7 @@
           <a:p>
             <a:fld id="{D51B1278-D92B-4AF3-A9C1-71DD298190CE}" type="datetimeFigureOut">
               <a:rPr lang="en-US" smtClean="0"/>
-              <a:t>10/22/2014</a:t>
+              <a:t>10/24/2014</a:t>
             </a:fld>
             <a:endParaRPr lang="en-US"/>
           </a:p>
@@ -1223,7 +1223,7 @@
           <a:p>
             <a:fld id="{130F6A78-FCFE-4D45-B005-38A37DBDA5FF}" type="datetime1">
               <a:rPr lang="en-US" smtClean="0"/>
-              <a:t>10/22/2014</a:t>
+              <a:t>10/24/2014</a:t>
             </a:fld>
             <a:endParaRPr lang="en-US"/>
           </a:p>
@@ -1429,7 +1429,7 @@
           <a:p>
             <a:fld id="{8A515E4B-48A0-498D-B44A-AAB8296969D7}" type="datetime1">
               <a:rPr lang="en-US" smtClean="0"/>
-              <a:t>10/22/2014</a:t>
+              <a:t>10/24/2014</a:t>
             </a:fld>
             <a:endParaRPr lang="en-US"/>
           </a:p>
@@ -1635,7 +1635,7 @@
           <a:p>
             <a:fld id="{676707B7-EE71-47B8-B3DA-B599B395A08A}" type="datetime1">
               <a:rPr lang="en-US" smtClean="0"/>
-              <a:t>10/22/2014</a:t>
+              <a:t>10/24/2014</a:t>
             </a:fld>
             <a:endParaRPr lang="en-US"/>
           </a:p>
@@ -1841,7 +1841,7 @@
           <a:p>
             <a:fld id="{676707B7-EE71-47B8-B3DA-B599B395A08A}" type="datetime1">
               <a:rPr lang="en-US" smtClean="0"/>
-              <a:t>10/22/2014</a:t>
+              <a:t>10/24/2014</a:t>
             </a:fld>
             <a:endParaRPr lang="en-US"/>
           </a:p>
@@ -2083,7 +2083,7 @@
           <a:p>
             <a:fld id="{89BD0C63-4500-46F0-B671-0411AD55F261}" type="datetime1">
               <a:rPr lang="en-US" smtClean="0"/>
-              <a:t>10/22/2014</a:t>
+              <a:t>10/24/2014</a:t>
             </a:fld>
             <a:endParaRPr lang="en-US"/>
           </a:p>
@@ -2293,7 +2293,7 @@
           <a:p>
             <a:fld id="{65036D97-0781-4CB4-8310-DBE67BB75DC2}" type="datetime1">
               <a:rPr lang="en-US" smtClean="0"/>
-              <a:t>10/22/2014</a:t>
+              <a:t>10/24/2014</a:t>
             </a:fld>
             <a:endParaRPr lang="en-US"/>
           </a:p>
@@ -2536,7 +2536,7 @@
           <a:p>
             <a:fld id="{71F2E3B6-EB4C-45C4-A447-56FB08D12314}" type="datetime1">
               <a:rPr lang="en-US" smtClean="0"/>
-              <a:t>10/22/2014</a:t>
+              <a:t>10/24/2014</a:t>
             </a:fld>
             <a:endParaRPr lang="en-US"/>
           </a:p>
@@ -2769,7 +2769,7 @@
           <a:p>
             <a:fld id="{978E40F9-06EC-432F-9301-2E07F244FD92}" type="datetime1">
               <a:rPr lang="en-US" smtClean="0"/>
-              <a:t>10/22/2014</a:t>
+              <a:t>10/24/2014</a:t>
             </a:fld>
             <a:endParaRPr lang="en-US"/>
           </a:p>
@@ -2987,7 +2987,7 @@
           <a:p>
             <a:fld id="{20E03D06-7C91-4981-946C-5F87F4FCF9AD}" type="datetime1">
               <a:rPr lang="en-US" smtClean="0"/>
-              <a:t>10/22/2014</a:t>
+              <a:t>10/24/2014</a:t>
             </a:fld>
             <a:endParaRPr lang="en-US"/>
           </a:p>
@@ -3193,7 +3193,7 @@
           <a:p>
             <a:fld id="{94EE102F-BBA5-47B5-B3E7-AF35CCCF9F4D}" type="datetime1">
               <a:rPr lang="en-US" smtClean="0"/>
-              <a:t>10/22/2014</a:t>
+              <a:t>10/24/2014</a:t>
             </a:fld>
             <a:endParaRPr lang="en-US"/>
           </a:p>
@@ -3453,7 +3453,7 @@
           <a:p>
             <a:fld id="{B079C3B8-7366-4A44-A34B-3977080C19E7}" type="datetime1">
               <a:rPr lang="en-US" smtClean="0"/>
-              <a:t>10/22/2014</a:t>
+              <a:t>10/24/2014</a:t>
             </a:fld>
             <a:endParaRPr lang="en-US" dirty="0"/>
           </a:p>
@@ -3588,7 +3588,7 @@
           <a:p>
             <a:fld id="{4ADE35DD-7265-41C6-9E2A-205ADF0B08D5}" type="datetime1">
               <a:rPr lang="en-US" smtClean="0"/>
-              <a:t>10/22/2014</a:t>
+              <a:t>10/24/2014</a:t>
             </a:fld>
             <a:endParaRPr lang="en-US"/>
           </a:p>
@@ -3816,7 +3816,7 @@
           <a:p>
             <a:fld id="{953A25BC-2652-4E9B-8E04-C98C3E52A4F0}" type="datetime1">
               <a:rPr lang="en-US" smtClean="0"/>
-              <a:t>10/22/2014</a:t>
+              <a:t>10/24/2014</a:t>
             </a:fld>
             <a:endParaRPr lang="en-US"/>
           </a:p>
@@ -4098,7 +4098,7 @@
           <a:p>
             <a:fld id="{011330EA-3A2F-4AA6-9551-59328781FD06}" type="datetime1">
               <a:rPr lang="en-US" smtClean="0"/>
-              <a:t>10/22/2014</a:t>
+              <a:t>10/24/2014</a:t>
             </a:fld>
             <a:endParaRPr lang="en-US"/>
           </a:p>
@@ -4308,7 +4308,7 @@
           <a:p>
             <a:fld id="{64C927B8-48AC-4209-AA95-18D990AB88E8}" type="datetime1">
               <a:rPr lang="en-US" smtClean="0"/>
-              <a:t>10/22/2014</a:t>
+              <a:t>10/24/2014</a:t>
             </a:fld>
             <a:endParaRPr lang="en-US"/>
           </a:p>
@@ -4537,7 +4537,7 @@
           <a:p>
             <a:fld id="{BC8BD616-3C53-4769-B049-3FE930DDEF97}" type="datetime1">
               <a:rPr lang="en-US" smtClean="0"/>
-              <a:t>10/22/2014</a:t>
+              <a:t>10/24/2014</a:t>
             </a:fld>
             <a:endParaRPr lang="en-US"/>
           </a:p>
@@ -4797,7 +4797,7 @@
           <a:p>
             <a:fld id="{B079C3B8-7366-4A44-A34B-3977080C19E7}" type="datetime1">
               <a:rPr lang="en-US" smtClean="0"/>
-              <a:t>10/22/2014</a:t>
+              <a:t>10/24/2014</a:t>
             </a:fld>
             <a:endParaRPr lang="en-US" dirty="0"/>
           </a:p>
@@ -5039,7 +5039,7 @@
           <a:p>
             <a:fld id="{0BB6559B-C68D-49B4-97AE-9BB74C417927}" type="datetime1">
               <a:rPr lang="en-US" smtClean="0"/>
-              <a:t>10/22/2014</a:t>
+              <a:t>10/24/2014</a:t>
             </a:fld>
             <a:endParaRPr lang="en-US"/>
           </a:p>
@@ -5190,7 +5190,7 @@
           <a:p>
             <a:fld id="{0C3C20F7-22CF-4B06-A2C4-710BBA74F6A5}" type="datetime1">
               <a:rPr lang="en-US" smtClean="0"/>
-              <a:t>10/22/2014</a:t>
+              <a:t>10/24/2014</a:t>
             </a:fld>
             <a:endParaRPr lang="en-US"/>
           </a:p>
@@ -5396,7 +5396,7 @@
           <a:p>
             <a:fld id="{6E50E453-F0F1-4F28-9386-D0CC835A3436}" type="datetime1">
               <a:rPr lang="en-US" smtClean="0"/>
-              <a:t>10/22/2014</a:t>
+              <a:t>10/24/2014</a:t>
             </a:fld>
             <a:endParaRPr lang="en-US"/>
           </a:p>
@@ -5622,7 +5622,7 @@
           <a:p>
             <a:fld id="{C032A2CD-423F-467E-9AF6-DEA41E45D21C}" type="datetime1">
               <a:rPr lang="en-US" smtClean="0"/>
-              <a:t>10/22/2014</a:t>
+              <a:t>10/24/2014</a:t>
             </a:fld>
             <a:endParaRPr lang="en-US"/>
           </a:p>
@@ -5908,7 +5908,7 @@
           <a:p>
             <a:fld id="{09D58FB4-9AD0-481B-8C84-A17E43C7859F}" type="datetime1">
               <a:rPr lang="en-US" smtClean="0"/>
-              <a:t>10/22/2014</a:t>
+              <a:t>10/24/2014</a:t>
             </a:fld>
             <a:endParaRPr lang="en-US"/>
           </a:p>
@@ -6128,7 +6128,7 @@
           <a:p>
             <a:fld id="{7A5C1551-8DBF-450A-B3B4-597F4F42AC44}" type="datetime1">
               <a:rPr lang="en-US" smtClean="0"/>
-              <a:t>10/22/2014</a:t>
+              <a:t>10/24/2014</a:t>
             </a:fld>
             <a:endParaRPr lang="en-US"/>
           </a:p>
@@ -6373,7 +6373,7 @@
           <a:p>
             <a:fld id="{E18369E4-77BE-4358-8410-33F33BA75378}" type="datetime1">
               <a:rPr lang="en-US" smtClean="0"/>
-              <a:t>10/22/2014</a:t>
+              <a:t>10/24/2014</a:t>
             </a:fld>
             <a:endParaRPr lang="en-US"/>
           </a:p>
@@ -6593,7 +6593,7 @@
           <a:p>
             <a:fld id="{E1069F9F-5C72-40FE-A962-D85A4E6A7779}" type="datetime1">
               <a:rPr lang="en-US" smtClean="0"/>
-              <a:t>10/22/2014</a:t>
+              <a:t>10/24/2014</a:t>
             </a:fld>
             <a:endParaRPr lang="en-US"/>
           </a:p>
@@ -19932,14 +19932,14 @@
             <p:ph sz="quarter" idx="10"/>
             <p:extLst>
               <p:ext uri="{D42A27DB-BD31-4B8C-83A1-F6EECF244321}">
-                <p14:modId xmlns:p14="http://schemas.microsoft.com/office/powerpoint/2010/main" val="3645956221"/>
+                <p14:modId xmlns:p14="http://schemas.microsoft.com/office/powerpoint/2010/main" val="2679123538"/>
               </p:ext>
             </p:extLst>
           </p:nvPr>
         </p:nvGraphicFramePr>
         <p:xfrm>
           <a:off x="351383" y="1063255"/>
-          <a:ext cx="11225057" cy="3301433"/>
+          <a:ext cx="11225057" cy="3301434"/>
         </p:xfrm>
         <a:graphic>
           <a:graphicData uri="http://schemas.openxmlformats.org/drawingml/2006/table">
@@ -19951,7 +19951,7 @@
                 <a:gridCol w="11225057">
                   <a:extLst>
                     <a:ext uri="{9D8B030D-6E8A-4147-A177-3AD203B41FA5}">
-                      <a16:colId xmlns="" xmlns:a16="http://schemas.microsoft.com/office/drawing/2014/main" val="1253488153"/>
+                      <a16:colId xmlns:a16="http://schemas.microsoft.com/office/drawing/2014/main" xmlns="" val="1253488153"/>
                     </a:ext>
                   </a:extLst>
                 </a:gridCol>
@@ -19973,7 +19973,7 @@
                 </a:tc>
                 <a:extLst>
                   <a:ext uri="{0D108BD9-81ED-4DB2-BD59-A6C34878D82A}">
-                    <a16:rowId xmlns="" xmlns:a16="http://schemas.microsoft.com/office/drawing/2014/main" val="829859176"/>
+                    <a16:rowId xmlns:a16="http://schemas.microsoft.com/office/drawing/2014/main" xmlns="" val="829859176"/>
                   </a:ext>
                 </a:extLst>
               </a:tr>
@@ -19993,7 +19993,7 @@
                 </a:tc>
                 <a:extLst>
                   <a:ext uri="{0D108BD9-81ED-4DB2-BD59-A6C34878D82A}">
-                    <a16:rowId xmlns="" xmlns:a16="http://schemas.microsoft.com/office/drawing/2014/main" val="1946132611"/>
+                    <a16:rowId xmlns:a16="http://schemas.microsoft.com/office/drawing/2014/main" xmlns="" val="1946132611"/>
                   </a:ext>
                 </a:extLst>
               </a:tr>
@@ -20030,7 +20030,7 @@
                 </a:tc>
                 <a:extLst>
                   <a:ext uri="{0D108BD9-81ED-4DB2-BD59-A6C34878D82A}">
-                    <a16:rowId xmlns="" xmlns:a16="http://schemas.microsoft.com/office/drawing/2014/main" val="3204002662"/>
+                    <a16:rowId xmlns:a16="http://schemas.microsoft.com/office/drawing/2014/main" xmlns="" val="3204002662"/>
                   </a:ext>
                 </a:extLst>
               </a:tr>
@@ -20067,7 +20067,7 @@
                 </a:tc>
                 <a:extLst>
                   <a:ext uri="{0D108BD9-81ED-4DB2-BD59-A6C34878D82A}">
-                    <a16:rowId xmlns="" xmlns:a16="http://schemas.microsoft.com/office/drawing/2014/main" val="4266278162"/>
+                    <a16:rowId xmlns:a16="http://schemas.microsoft.com/office/drawing/2014/main" xmlns="" val="4266278162"/>
                   </a:ext>
                 </a:extLst>
               </a:tr>
@@ -20100,8 +20100,17 @@
                       </a:r>
                       <a:r>
                         <a:rPr lang="en-US" sz="2400" dirty="0" smtClean="0"/>
-                        <a:t>Hook into Office 365 and SharePoint APIs with SPAs</a:t>
+                        <a:t>Hook into Office </a:t>
                       </a:r>
+                      <a:r>
+                        <a:rPr lang="en-US" sz="2400" smtClean="0"/>
+                        <a:t>365 </a:t>
+                      </a:r>
+                      <a:r>
+                        <a:rPr lang="en-US" sz="2400" smtClean="0"/>
+                        <a:t>APIs</a:t>
+                      </a:r>
+                      <a:endParaRPr lang="en-US" sz="2400" dirty="0" smtClean="0"/>
                     </a:p>
                   </a:txBody>
                   <a:tcPr marL="91403" marR="91403" marT="45701" marB="45701" anchor="ctr"/>
@@ -30868,21 +30877,12 @@
 </file>
 
 <file path=customXml/item1.xml><?xml version="1.0" encoding="utf-8"?>
-<?mso-contentType ?>
-<FormTemplates xmlns="http://schemas.microsoft.com/sharepoint/v3/contenttype/forms">
-  <Display>DocumentLibraryForm</Display>
-  <Edit>DocumentLibraryForm</Edit>
-  <New>DocumentLibraryForm</New>
-</FormTemplates>
-</file>
-
-<file path=customXml/item2.xml><?xml version="1.0" encoding="utf-8"?>
 <p:properties xmlns:p="http://schemas.microsoft.com/office/2006/metadata/properties" xmlns:xsi="http://www.w3.org/2001/XMLSchema-instance" xmlns:pc="http://schemas.microsoft.com/office/infopath/2007/PartnerControls">
   <documentManagement/>
 </p:properties>
 </file>
 
-<file path=customXml/item3.xml><?xml version="1.0" encoding="utf-8"?>
+<file path=customXml/item2.xml><?xml version="1.0" encoding="utf-8"?>
 <ct:contentTypeSchema xmlns:ct="http://schemas.microsoft.com/office/2006/metadata/contentType" xmlns:ma="http://schemas.microsoft.com/office/2006/metadata/properties/metaAttributes" ct:_="" ma:_="" ma:contentTypeName="Document" ma:contentTypeID="0x010100A2E4C90AA7333249A7DBC8CC6F49919B" ma:contentTypeVersion="1" ma:contentTypeDescription="Create a new document." ma:contentTypeScope="" ma:versionID="e7b09f0f38d7ed30c7da14951e97abcc">
   <xsd:schema xmlns:xsd="http://www.w3.org/2001/XMLSchema" xmlns:xs="http://www.w3.org/2001/XMLSchema" xmlns:p="http://schemas.microsoft.com/office/2006/metadata/properties" xmlns:ns2="5fad15d0-477e-40da-a20d-40d4ca777cbd" targetNamespace="http://schemas.microsoft.com/office/2006/metadata/properties" ma:root="true" ma:fieldsID="0cee24db179c30c5ebec40b677cadf70" ns2:_="">
     <xsd:import namespace="5fad15d0-477e-40da-a20d-40d4ca777cbd"/>
@@ -31022,15 +31022,16 @@
 </ct:contentTypeSchema>
 </file>
 
-<file path=customXml/itemProps1.xml><?xml version="1.0" encoding="utf-8"?>
-<ds:datastoreItem xmlns:ds="http://schemas.openxmlformats.org/officeDocument/2006/customXml" ds:itemID="{E1E0CE18-CA03-4891-9CD8-3448778E3D53}">
-  <ds:schemaRefs>
-    <ds:schemaRef ds:uri="http://schemas.microsoft.com/sharepoint/v3/contenttype/forms"/>
-  </ds:schemaRefs>
-</ds:datastoreItem>
+<file path=customXml/item3.xml><?xml version="1.0" encoding="utf-8"?>
+<?mso-contentType ?>
+<FormTemplates xmlns="http://schemas.microsoft.com/sharepoint/v3/contenttype/forms">
+  <Display>DocumentLibraryForm</Display>
+  <Edit>DocumentLibraryForm</Edit>
+  <New>DocumentLibraryForm</New>
+</FormTemplates>
 </file>
 
-<file path=customXml/itemProps2.xml><?xml version="1.0" encoding="utf-8"?>
+<file path=customXml/itemProps1.xml><?xml version="1.0" encoding="utf-8"?>
 <ds:datastoreItem xmlns:ds="http://schemas.openxmlformats.org/officeDocument/2006/customXml" ds:itemID="{DA593625-DB14-4FB0-B5A9-3269FA9C120B}">
   <ds:schemaRefs>
     <ds:schemaRef ds:uri="http://schemas.microsoft.com/office/2006/documentManagement/types"/>
@@ -31046,7 +31047,7 @@
 </ds:datastoreItem>
 </file>
 
-<file path=customXml/itemProps3.xml><?xml version="1.0" encoding="utf-8"?>
+<file path=customXml/itemProps2.xml><?xml version="1.0" encoding="utf-8"?>
 <ds:datastoreItem xmlns:ds="http://schemas.openxmlformats.org/officeDocument/2006/customXml" ds:itemID="{F17DCE38-6787-497B-B958-75817420EB1E}">
   <ds:schemaRefs>
     <ds:schemaRef ds:uri="http://schemas.microsoft.com/office/2006/metadata/contentType"/>
@@ -31062,4 +31063,12 @@
     <ds:schemaRef ds:uri="http://schemas.microsoft.com/internal/obd"/>
   </ds:schemaRefs>
 </ds:datastoreItem>
+</file>
+
+<file path=customXml/itemProps3.xml><?xml version="1.0" encoding="utf-8"?>
+<ds:datastoreItem xmlns:ds="http://schemas.openxmlformats.org/officeDocument/2006/customXml" ds:itemID="{E1E0CE18-CA03-4891-9CD8-3448778E3D53}">
+  <ds:schemaRefs>
+    <ds:schemaRef ds:uri="http://schemas.microsoft.com/sharepoint/v3/contenttype/forms"/>
+  </ds:schemaRefs>
+</ds:datastoreItem>
 </file>